--- a/doc/ros2D导航包介绍.pptx
+++ b/doc/ros2D导航包介绍.pptx
@@ -1,20 +1,20 @@
 
 <file path=ppt/presentation.xml><?xml version="1.0" encoding="utf-8"?>
-<p:presentation xmlns:a="http://schemas.openxmlformats.org/drawingml/2006/main" xmlns:r="http://schemas.openxmlformats.org/officeDocument/2006/relationships" xmlns:p="http://schemas.openxmlformats.org/presentationml/2006/main" saveSubsetFonts="1">
+<p:presentation xmlns:a="http://schemas.openxmlformats.org/drawingml/2006/main" xmlns:r="http://schemas.openxmlformats.org/officeDocument/2006/relationships" xmlns:p="http://schemas.openxmlformats.org/presentationml/2006/main">
   <p:sldMasterIdLst>
     <p:sldMasterId id="2147483648" r:id="rId1"/>
   </p:sldMasterIdLst>
   <p:sldIdLst>
-    <p:sldId id="257" r:id="rId2"/>
-    <p:sldId id="258" r:id="rId3"/>
-    <p:sldId id="259" r:id="rId4"/>
-    <p:sldId id="260" r:id="rId5"/>
-    <p:sldId id="261" r:id="rId6"/>
-    <p:sldId id="262" r:id="rId7"/>
-    <p:sldId id="263" r:id="rId8"/>
-    <p:sldId id="264" r:id="rId9"/>
-    <p:sldId id="265" r:id="rId10"/>
-    <p:sldId id="266" r:id="rId11"/>
+    <p:sldId id="257" r:id="rId3"/>
+    <p:sldId id="258" r:id="rId4"/>
+    <p:sldId id="259" r:id="rId5"/>
+    <p:sldId id="260" r:id="rId6"/>
+    <p:sldId id="261" r:id="rId7"/>
+    <p:sldId id="262" r:id="rId8"/>
+    <p:sldId id="263" r:id="rId9"/>
+    <p:sldId id="264" r:id="rId10"/>
+    <p:sldId id="265" r:id="rId11"/>
+    <p:sldId id="266" r:id="rId12"/>
   </p:sldIdLst>
   <p:sldSz cx="12192000" cy="6858000"/>
   <p:notesSz cx="6858000" cy="9144000"/>
@@ -113,11 +113,6 @@
       </a:defRPr>
     </a:lvl9pPr>
   </p:defaultTextStyle>
-  <p:extLst>
-    <p:ext uri="{EFAFB233-063F-42B5-8137-9DF3F51BA10A}">
-      <p15:sldGuideLst xmlns:p15="http://schemas.microsoft.com/office/powerpoint/2012/main"/>
-    </p:ext>
-  </p:extLst>
 </p:presentation>
 </file>
 
@@ -140,13 +135,7 @@
       </p:grpSpPr>
       <p:sp>
         <p:nvSpPr>
-          <p:cNvPr id="2" name="标题 1">
-            <a:extLst>
-              <a:ext uri="{FF2B5EF4-FFF2-40B4-BE49-F238E27FC236}">
-                <a16:creationId xmlns:a16="http://schemas.microsoft.com/office/drawing/2014/main" id="{EE781DDC-2262-41EE-80E1-6E1C61EEFD37}"/>
-              </a:ext>
-            </a:extLst>
-          </p:cNvPr>
+          <p:cNvPr id="2" name="标题 1"/>
           <p:cNvSpPr>
             <a:spLocks noGrp="1"/>
           </p:cNvSpPr>
@@ -172,18 +161,13 @@
               <a:rPr lang="zh-CN" altLang="en-US"/>
               <a:t>单击此处编辑母版标题样式</a:t>
             </a:r>
-          </a:p>
-        </p:txBody>
-      </p:sp>
-      <p:sp>
-        <p:nvSpPr>
-          <p:cNvPr id="3" name="副标题 2">
-            <a:extLst>
-              <a:ext uri="{FF2B5EF4-FFF2-40B4-BE49-F238E27FC236}">
-                <a16:creationId xmlns:a16="http://schemas.microsoft.com/office/drawing/2014/main" id="{E4FCE90C-C1B0-4F3C-8B2F-0214DF9697DA}"/>
-              </a:ext>
-            </a:extLst>
-          </p:cNvPr>
+            <a:endParaRPr lang="zh-CN" altLang="en-US"/>
+          </a:p>
+        </p:txBody>
+      </p:sp>
+      <p:sp>
+        <p:nvSpPr>
+          <p:cNvPr id="3" name="副标题 2"/>
           <p:cNvSpPr>
             <a:spLocks noGrp="1"/>
           </p:cNvSpPr>
@@ -242,18 +226,13 @@
               <a:rPr lang="zh-CN" altLang="en-US"/>
               <a:t>单击此处编辑母版副标题样式</a:t>
             </a:r>
-          </a:p>
-        </p:txBody>
-      </p:sp>
-      <p:sp>
-        <p:nvSpPr>
-          <p:cNvPr id="4" name="日期占位符 3">
-            <a:extLst>
-              <a:ext uri="{FF2B5EF4-FFF2-40B4-BE49-F238E27FC236}">
-                <a16:creationId xmlns:a16="http://schemas.microsoft.com/office/drawing/2014/main" id="{3CEED1D8-9771-45EA-B130-4D483D758532}"/>
-              </a:ext>
-            </a:extLst>
-          </p:cNvPr>
+            <a:endParaRPr lang="zh-CN" altLang="en-US"/>
+          </a:p>
+        </p:txBody>
+      </p:sp>
+      <p:sp>
+        <p:nvSpPr>
+          <p:cNvPr id="4" name="日期占位符 3"/>
           <p:cNvSpPr>
             <a:spLocks noGrp="1"/>
           </p:cNvSpPr>
@@ -268,7 +247,6 @@
           <a:p>
             <a:fld id="{6ED5456A-8B7C-4593-A15F-49DCAC2C5263}" type="datetimeFigureOut">
               <a:rPr lang="zh-CN" altLang="en-US" smtClean="0"/>
-              <a:t>2018/9/7</a:t>
             </a:fld>
             <a:endParaRPr lang="zh-CN" altLang="en-US"/>
           </a:p>
@@ -276,13 +254,7 @@
       </p:sp>
       <p:sp>
         <p:nvSpPr>
-          <p:cNvPr id="5" name="页脚占位符 4">
-            <a:extLst>
-              <a:ext uri="{FF2B5EF4-FFF2-40B4-BE49-F238E27FC236}">
-                <a16:creationId xmlns:a16="http://schemas.microsoft.com/office/drawing/2014/main" id="{32CF8F2C-CFBA-4A12-9F9E-61F0A05F9A4B}"/>
-              </a:ext>
-            </a:extLst>
-          </p:cNvPr>
+          <p:cNvPr id="5" name="页脚占位符 4"/>
           <p:cNvSpPr>
             <a:spLocks noGrp="1"/>
           </p:cNvSpPr>
@@ -301,13 +273,7 @@
       </p:sp>
       <p:sp>
         <p:nvSpPr>
-          <p:cNvPr id="6" name="灯片编号占位符 5">
-            <a:extLst>
-              <a:ext uri="{FF2B5EF4-FFF2-40B4-BE49-F238E27FC236}">
-                <a16:creationId xmlns:a16="http://schemas.microsoft.com/office/drawing/2014/main" id="{76998D2E-C00E-4642-8D67-87A9F514C6C6}"/>
-              </a:ext>
-            </a:extLst>
-          </p:cNvPr>
+          <p:cNvPr id="6" name="灯片编号占位符 5"/>
           <p:cNvSpPr>
             <a:spLocks noGrp="1"/>
           </p:cNvSpPr>
@@ -322,18 +288,12 @@
           <a:p>
             <a:fld id="{0DA16BDB-B271-4261-99DC-832B85DA9FD5}" type="slidenum">
               <a:rPr lang="zh-CN" altLang="en-US" smtClean="0"/>
-              <a:t>‹#›</a:t>
             </a:fld>
             <a:endParaRPr lang="zh-CN" altLang="en-US"/>
           </a:p>
         </p:txBody>
       </p:sp>
     </p:spTree>
-    <p:extLst>
-      <p:ext uri="{BB962C8B-B14F-4D97-AF65-F5344CB8AC3E}">
-        <p14:creationId xmlns:p14="http://schemas.microsoft.com/office/powerpoint/2010/main" val="3126934546"/>
-      </p:ext>
-    </p:extLst>
   </p:cSld>
   <p:clrMapOvr>
     <a:masterClrMapping/>
@@ -360,13 +320,7 @@
       </p:grpSpPr>
       <p:sp>
         <p:nvSpPr>
-          <p:cNvPr id="2" name="标题 1">
-            <a:extLst>
-              <a:ext uri="{FF2B5EF4-FFF2-40B4-BE49-F238E27FC236}">
-                <a16:creationId xmlns:a16="http://schemas.microsoft.com/office/drawing/2014/main" id="{09DBC6EC-92B7-47CA-AD58-959E9843AA3F}"/>
-              </a:ext>
-            </a:extLst>
-          </p:cNvPr>
+          <p:cNvPr id="2" name="标题 1"/>
           <p:cNvSpPr>
             <a:spLocks noGrp="1"/>
           </p:cNvSpPr>
@@ -383,23 +337,18 @@
               <a:rPr lang="zh-CN" altLang="en-US"/>
               <a:t>单击此处编辑母版标题样式</a:t>
             </a:r>
-          </a:p>
-        </p:txBody>
-      </p:sp>
-      <p:sp>
-        <p:nvSpPr>
-          <p:cNvPr id="3" name="竖排文字占位符 2">
-            <a:extLst>
-              <a:ext uri="{FF2B5EF4-FFF2-40B4-BE49-F238E27FC236}">
-                <a16:creationId xmlns:a16="http://schemas.microsoft.com/office/drawing/2014/main" id="{ED5A5D6B-567C-4C4A-950A-EF70DCF46DA1}"/>
-              </a:ext>
-            </a:extLst>
-          </p:cNvPr>
-          <p:cNvSpPr>
-            <a:spLocks noGrp="1"/>
-          </p:cNvSpPr>
-          <p:nvPr>
-            <p:ph type="body" orient="vert" idx="1"/>
+            <a:endParaRPr lang="zh-CN" altLang="en-US"/>
+          </a:p>
+        </p:txBody>
+      </p:sp>
+      <p:sp>
+        <p:nvSpPr>
+          <p:cNvPr id="3" name="竖排文字占位符 2"/>
+          <p:cNvSpPr>
+            <a:spLocks noGrp="1"/>
+          </p:cNvSpPr>
+          <p:nvPr>
+            <p:ph type="body" orient="vert" idx="1" hasCustomPrompt="1"/>
           </p:nvPr>
         </p:nvSpPr>
         <p:spPr/>
@@ -412,6 +361,7 @@
               <a:rPr lang="zh-CN" altLang="en-US"/>
               <a:t>编辑母版文本样式</a:t>
             </a:r>
+            <a:endParaRPr lang="zh-CN" altLang="en-US"/>
           </a:p>
           <a:p>
             <a:pPr lvl="1"/>
@@ -419,6 +369,7 @@
               <a:rPr lang="zh-CN" altLang="en-US"/>
               <a:t>第二级</a:t>
             </a:r>
+            <a:endParaRPr lang="zh-CN" altLang="en-US"/>
           </a:p>
           <a:p>
             <a:pPr lvl="2"/>
@@ -426,6 +377,7 @@
               <a:rPr lang="zh-CN" altLang="en-US"/>
               <a:t>第三级</a:t>
             </a:r>
+            <a:endParaRPr lang="zh-CN" altLang="en-US"/>
           </a:p>
           <a:p>
             <a:pPr lvl="3"/>
@@ -433,6 +385,7 @@
               <a:rPr lang="zh-CN" altLang="en-US"/>
               <a:t>第四级</a:t>
             </a:r>
+            <a:endParaRPr lang="zh-CN" altLang="en-US"/>
           </a:p>
           <a:p>
             <a:pPr lvl="4"/>
@@ -440,18 +393,13 @@
               <a:rPr lang="zh-CN" altLang="en-US"/>
               <a:t>第五级</a:t>
             </a:r>
-          </a:p>
-        </p:txBody>
-      </p:sp>
-      <p:sp>
-        <p:nvSpPr>
-          <p:cNvPr id="4" name="日期占位符 3">
-            <a:extLst>
-              <a:ext uri="{FF2B5EF4-FFF2-40B4-BE49-F238E27FC236}">
-                <a16:creationId xmlns:a16="http://schemas.microsoft.com/office/drawing/2014/main" id="{D1F5F03E-FBEB-498A-A2AF-4300A25FDC46}"/>
-              </a:ext>
-            </a:extLst>
-          </p:cNvPr>
+            <a:endParaRPr lang="zh-CN" altLang="en-US"/>
+          </a:p>
+        </p:txBody>
+      </p:sp>
+      <p:sp>
+        <p:nvSpPr>
+          <p:cNvPr id="4" name="日期占位符 3"/>
           <p:cNvSpPr>
             <a:spLocks noGrp="1"/>
           </p:cNvSpPr>
@@ -466,7 +414,6 @@
           <a:p>
             <a:fld id="{6ED5456A-8B7C-4593-A15F-49DCAC2C5263}" type="datetimeFigureOut">
               <a:rPr lang="zh-CN" altLang="en-US" smtClean="0"/>
-              <a:t>2018/9/7</a:t>
             </a:fld>
             <a:endParaRPr lang="zh-CN" altLang="en-US"/>
           </a:p>
@@ -474,13 +421,7 @@
       </p:sp>
       <p:sp>
         <p:nvSpPr>
-          <p:cNvPr id="5" name="页脚占位符 4">
-            <a:extLst>
-              <a:ext uri="{FF2B5EF4-FFF2-40B4-BE49-F238E27FC236}">
-                <a16:creationId xmlns:a16="http://schemas.microsoft.com/office/drawing/2014/main" id="{91571148-7454-4DD2-95BC-E78C3092FA06}"/>
-              </a:ext>
-            </a:extLst>
-          </p:cNvPr>
+          <p:cNvPr id="5" name="页脚占位符 4"/>
           <p:cNvSpPr>
             <a:spLocks noGrp="1"/>
           </p:cNvSpPr>
@@ -499,13 +440,7 @@
       </p:sp>
       <p:sp>
         <p:nvSpPr>
-          <p:cNvPr id="6" name="灯片编号占位符 5">
-            <a:extLst>
-              <a:ext uri="{FF2B5EF4-FFF2-40B4-BE49-F238E27FC236}">
-                <a16:creationId xmlns:a16="http://schemas.microsoft.com/office/drawing/2014/main" id="{88659061-B6AC-4AAF-BEF0-337282150740}"/>
-              </a:ext>
-            </a:extLst>
-          </p:cNvPr>
+          <p:cNvPr id="6" name="灯片编号占位符 5"/>
           <p:cNvSpPr>
             <a:spLocks noGrp="1"/>
           </p:cNvSpPr>
@@ -520,18 +455,12 @@
           <a:p>
             <a:fld id="{0DA16BDB-B271-4261-99DC-832B85DA9FD5}" type="slidenum">
               <a:rPr lang="zh-CN" altLang="en-US" smtClean="0"/>
-              <a:t>‹#›</a:t>
             </a:fld>
             <a:endParaRPr lang="zh-CN" altLang="en-US"/>
           </a:p>
         </p:txBody>
       </p:sp>
     </p:spTree>
-    <p:extLst>
-      <p:ext uri="{BB962C8B-B14F-4D97-AF65-F5344CB8AC3E}">
-        <p14:creationId xmlns:p14="http://schemas.microsoft.com/office/powerpoint/2010/main" val="61629952"/>
-      </p:ext>
-    </p:extLst>
   </p:cSld>
   <p:clrMapOvr>
     <a:masterClrMapping/>
@@ -558,13 +487,7 @@
       </p:grpSpPr>
       <p:sp>
         <p:nvSpPr>
-          <p:cNvPr id="2" name="竖排标题 1">
-            <a:extLst>
-              <a:ext uri="{FF2B5EF4-FFF2-40B4-BE49-F238E27FC236}">
-                <a16:creationId xmlns:a16="http://schemas.microsoft.com/office/drawing/2014/main" id="{460BE3E9-E4F6-4009-8C52-A201A0D61D25}"/>
-              </a:ext>
-            </a:extLst>
-          </p:cNvPr>
+          <p:cNvPr id="2" name="竖排标题 1"/>
           <p:cNvSpPr>
             <a:spLocks noGrp="1"/>
           </p:cNvSpPr>
@@ -586,23 +509,18 @@
               <a:rPr lang="zh-CN" altLang="en-US"/>
               <a:t>单击此处编辑母版标题样式</a:t>
             </a:r>
-          </a:p>
-        </p:txBody>
-      </p:sp>
-      <p:sp>
-        <p:nvSpPr>
-          <p:cNvPr id="3" name="竖排文字占位符 2">
-            <a:extLst>
-              <a:ext uri="{FF2B5EF4-FFF2-40B4-BE49-F238E27FC236}">
-                <a16:creationId xmlns:a16="http://schemas.microsoft.com/office/drawing/2014/main" id="{14055133-2C86-4F81-8A30-7EF408FD7F62}"/>
-              </a:ext>
-            </a:extLst>
-          </p:cNvPr>
-          <p:cNvSpPr>
-            <a:spLocks noGrp="1"/>
-          </p:cNvSpPr>
-          <p:nvPr>
-            <p:ph type="body" orient="vert" idx="1"/>
+            <a:endParaRPr lang="zh-CN" altLang="en-US"/>
+          </a:p>
+        </p:txBody>
+      </p:sp>
+      <p:sp>
+        <p:nvSpPr>
+          <p:cNvPr id="3" name="竖排文字占位符 2"/>
+          <p:cNvSpPr>
+            <a:spLocks noGrp="1"/>
+          </p:cNvSpPr>
+          <p:nvPr>
+            <p:ph type="body" orient="vert" idx="1" hasCustomPrompt="1"/>
           </p:nvPr>
         </p:nvSpPr>
         <p:spPr>
@@ -620,6 +538,7 @@
               <a:rPr lang="zh-CN" altLang="en-US"/>
               <a:t>编辑母版文本样式</a:t>
             </a:r>
+            <a:endParaRPr lang="zh-CN" altLang="en-US"/>
           </a:p>
           <a:p>
             <a:pPr lvl="1"/>
@@ -627,6 +546,7 @@
               <a:rPr lang="zh-CN" altLang="en-US"/>
               <a:t>第二级</a:t>
             </a:r>
+            <a:endParaRPr lang="zh-CN" altLang="en-US"/>
           </a:p>
           <a:p>
             <a:pPr lvl="2"/>
@@ -634,6 +554,7 @@
               <a:rPr lang="zh-CN" altLang="en-US"/>
               <a:t>第三级</a:t>
             </a:r>
+            <a:endParaRPr lang="zh-CN" altLang="en-US"/>
           </a:p>
           <a:p>
             <a:pPr lvl="3"/>
@@ -641,6 +562,7 @@
               <a:rPr lang="zh-CN" altLang="en-US"/>
               <a:t>第四级</a:t>
             </a:r>
+            <a:endParaRPr lang="zh-CN" altLang="en-US"/>
           </a:p>
           <a:p>
             <a:pPr lvl="4"/>
@@ -648,18 +570,13 @@
               <a:rPr lang="zh-CN" altLang="en-US"/>
               <a:t>第五级</a:t>
             </a:r>
-          </a:p>
-        </p:txBody>
-      </p:sp>
-      <p:sp>
-        <p:nvSpPr>
-          <p:cNvPr id="4" name="日期占位符 3">
-            <a:extLst>
-              <a:ext uri="{FF2B5EF4-FFF2-40B4-BE49-F238E27FC236}">
-                <a16:creationId xmlns:a16="http://schemas.microsoft.com/office/drawing/2014/main" id="{0FBD04E5-367E-4F2A-9E6B-80373925FEF5}"/>
-              </a:ext>
-            </a:extLst>
-          </p:cNvPr>
+            <a:endParaRPr lang="zh-CN" altLang="en-US"/>
+          </a:p>
+        </p:txBody>
+      </p:sp>
+      <p:sp>
+        <p:nvSpPr>
+          <p:cNvPr id="4" name="日期占位符 3"/>
           <p:cNvSpPr>
             <a:spLocks noGrp="1"/>
           </p:cNvSpPr>
@@ -674,7 +591,6 @@
           <a:p>
             <a:fld id="{6ED5456A-8B7C-4593-A15F-49DCAC2C5263}" type="datetimeFigureOut">
               <a:rPr lang="zh-CN" altLang="en-US" smtClean="0"/>
-              <a:t>2018/9/7</a:t>
             </a:fld>
             <a:endParaRPr lang="zh-CN" altLang="en-US"/>
           </a:p>
@@ -682,13 +598,7 @@
       </p:sp>
       <p:sp>
         <p:nvSpPr>
-          <p:cNvPr id="5" name="页脚占位符 4">
-            <a:extLst>
-              <a:ext uri="{FF2B5EF4-FFF2-40B4-BE49-F238E27FC236}">
-                <a16:creationId xmlns:a16="http://schemas.microsoft.com/office/drawing/2014/main" id="{E46EC875-E664-46C4-A177-4CC1AC26217B}"/>
-              </a:ext>
-            </a:extLst>
-          </p:cNvPr>
+          <p:cNvPr id="5" name="页脚占位符 4"/>
           <p:cNvSpPr>
             <a:spLocks noGrp="1"/>
           </p:cNvSpPr>
@@ -707,13 +617,7 @@
       </p:sp>
       <p:sp>
         <p:nvSpPr>
-          <p:cNvPr id="6" name="灯片编号占位符 5">
-            <a:extLst>
-              <a:ext uri="{FF2B5EF4-FFF2-40B4-BE49-F238E27FC236}">
-                <a16:creationId xmlns:a16="http://schemas.microsoft.com/office/drawing/2014/main" id="{BCB35C1D-7768-4FFC-AFDA-B2E71BC6EE40}"/>
-              </a:ext>
-            </a:extLst>
-          </p:cNvPr>
+          <p:cNvPr id="6" name="灯片编号占位符 5"/>
           <p:cNvSpPr>
             <a:spLocks noGrp="1"/>
           </p:cNvSpPr>
@@ -728,18 +632,12 @@
           <a:p>
             <a:fld id="{0DA16BDB-B271-4261-99DC-832B85DA9FD5}" type="slidenum">
               <a:rPr lang="zh-CN" altLang="en-US" smtClean="0"/>
-              <a:t>‹#›</a:t>
             </a:fld>
             <a:endParaRPr lang="zh-CN" altLang="en-US"/>
           </a:p>
         </p:txBody>
       </p:sp>
     </p:spTree>
-    <p:extLst>
-      <p:ext uri="{BB962C8B-B14F-4D97-AF65-F5344CB8AC3E}">
-        <p14:creationId xmlns:p14="http://schemas.microsoft.com/office/powerpoint/2010/main" val="4249856379"/>
-      </p:ext>
-    </p:extLst>
   </p:cSld>
   <p:clrMapOvr>
     <a:masterClrMapping/>
@@ -766,13 +664,7 @@
       </p:grpSpPr>
       <p:sp>
         <p:nvSpPr>
-          <p:cNvPr id="2" name="标题 1">
-            <a:extLst>
-              <a:ext uri="{FF2B5EF4-FFF2-40B4-BE49-F238E27FC236}">
-                <a16:creationId xmlns:a16="http://schemas.microsoft.com/office/drawing/2014/main" id="{44D53F9F-739F-4A4B-8E1E-71AFFB326E2D}"/>
-              </a:ext>
-            </a:extLst>
-          </p:cNvPr>
+          <p:cNvPr id="2" name="标题 1"/>
           <p:cNvSpPr>
             <a:spLocks noGrp="1"/>
           </p:cNvSpPr>
@@ -789,23 +681,18 @@
               <a:rPr lang="zh-CN" altLang="en-US"/>
               <a:t>单击此处编辑母版标题样式</a:t>
             </a:r>
-          </a:p>
-        </p:txBody>
-      </p:sp>
-      <p:sp>
-        <p:nvSpPr>
-          <p:cNvPr id="3" name="内容占位符 2">
-            <a:extLst>
-              <a:ext uri="{FF2B5EF4-FFF2-40B4-BE49-F238E27FC236}">
-                <a16:creationId xmlns:a16="http://schemas.microsoft.com/office/drawing/2014/main" id="{627C654C-8E70-431B-8835-40EE486E28B4}"/>
-              </a:ext>
-            </a:extLst>
-          </p:cNvPr>
-          <p:cNvSpPr>
-            <a:spLocks noGrp="1"/>
-          </p:cNvSpPr>
-          <p:nvPr>
-            <p:ph idx="1"/>
+            <a:endParaRPr lang="zh-CN" altLang="en-US"/>
+          </a:p>
+        </p:txBody>
+      </p:sp>
+      <p:sp>
+        <p:nvSpPr>
+          <p:cNvPr id="3" name="内容占位符 2"/>
+          <p:cNvSpPr>
+            <a:spLocks noGrp="1"/>
+          </p:cNvSpPr>
+          <p:nvPr>
+            <p:ph idx="1" hasCustomPrompt="1"/>
           </p:nvPr>
         </p:nvSpPr>
         <p:spPr/>
@@ -818,6 +705,7 @@
               <a:rPr lang="zh-CN" altLang="en-US"/>
               <a:t>编辑母版文本样式</a:t>
             </a:r>
+            <a:endParaRPr lang="zh-CN" altLang="en-US"/>
           </a:p>
           <a:p>
             <a:pPr lvl="1"/>
@@ -825,6 +713,7 @@
               <a:rPr lang="zh-CN" altLang="en-US"/>
               <a:t>第二级</a:t>
             </a:r>
+            <a:endParaRPr lang="zh-CN" altLang="en-US"/>
           </a:p>
           <a:p>
             <a:pPr lvl="2"/>
@@ -832,6 +721,7 @@
               <a:rPr lang="zh-CN" altLang="en-US"/>
               <a:t>第三级</a:t>
             </a:r>
+            <a:endParaRPr lang="zh-CN" altLang="en-US"/>
           </a:p>
           <a:p>
             <a:pPr lvl="3"/>
@@ -839,6 +729,7 @@
               <a:rPr lang="zh-CN" altLang="en-US"/>
               <a:t>第四级</a:t>
             </a:r>
+            <a:endParaRPr lang="zh-CN" altLang="en-US"/>
           </a:p>
           <a:p>
             <a:pPr lvl="4"/>
@@ -846,18 +737,13 @@
               <a:rPr lang="zh-CN" altLang="en-US"/>
               <a:t>第五级</a:t>
             </a:r>
-          </a:p>
-        </p:txBody>
-      </p:sp>
-      <p:sp>
-        <p:nvSpPr>
-          <p:cNvPr id="4" name="日期占位符 3">
-            <a:extLst>
-              <a:ext uri="{FF2B5EF4-FFF2-40B4-BE49-F238E27FC236}">
-                <a16:creationId xmlns:a16="http://schemas.microsoft.com/office/drawing/2014/main" id="{29C60D44-56CE-4323-ACA0-3B644035F5BC}"/>
-              </a:ext>
-            </a:extLst>
-          </p:cNvPr>
+            <a:endParaRPr lang="zh-CN" altLang="en-US"/>
+          </a:p>
+        </p:txBody>
+      </p:sp>
+      <p:sp>
+        <p:nvSpPr>
+          <p:cNvPr id="4" name="日期占位符 3"/>
           <p:cNvSpPr>
             <a:spLocks noGrp="1"/>
           </p:cNvSpPr>
@@ -872,7 +758,6 @@
           <a:p>
             <a:fld id="{6ED5456A-8B7C-4593-A15F-49DCAC2C5263}" type="datetimeFigureOut">
               <a:rPr lang="zh-CN" altLang="en-US" smtClean="0"/>
-              <a:t>2018/9/7</a:t>
             </a:fld>
             <a:endParaRPr lang="zh-CN" altLang="en-US"/>
           </a:p>
@@ -880,13 +765,7 @@
       </p:sp>
       <p:sp>
         <p:nvSpPr>
-          <p:cNvPr id="5" name="页脚占位符 4">
-            <a:extLst>
-              <a:ext uri="{FF2B5EF4-FFF2-40B4-BE49-F238E27FC236}">
-                <a16:creationId xmlns:a16="http://schemas.microsoft.com/office/drawing/2014/main" id="{18A62392-057D-4DBA-8550-B38B41C25B8E}"/>
-              </a:ext>
-            </a:extLst>
-          </p:cNvPr>
+          <p:cNvPr id="5" name="页脚占位符 4"/>
           <p:cNvSpPr>
             <a:spLocks noGrp="1"/>
           </p:cNvSpPr>
@@ -905,13 +784,7 @@
       </p:sp>
       <p:sp>
         <p:nvSpPr>
-          <p:cNvPr id="6" name="灯片编号占位符 5">
-            <a:extLst>
-              <a:ext uri="{FF2B5EF4-FFF2-40B4-BE49-F238E27FC236}">
-                <a16:creationId xmlns:a16="http://schemas.microsoft.com/office/drawing/2014/main" id="{39A573ED-2089-4194-B17B-32521ED4FA40}"/>
-              </a:ext>
-            </a:extLst>
-          </p:cNvPr>
+          <p:cNvPr id="6" name="灯片编号占位符 5"/>
           <p:cNvSpPr>
             <a:spLocks noGrp="1"/>
           </p:cNvSpPr>
@@ -926,18 +799,12 @@
           <a:p>
             <a:fld id="{0DA16BDB-B271-4261-99DC-832B85DA9FD5}" type="slidenum">
               <a:rPr lang="zh-CN" altLang="en-US" smtClean="0"/>
-              <a:t>‹#›</a:t>
             </a:fld>
             <a:endParaRPr lang="zh-CN" altLang="en-US"/>
           </a:p>
         </p:txBody>
       </p:sp>
     </p:spTree>
-    <p:extLst>
-      <p:ext uri="{BB962C8B-B14F-4D97-AF65-F5344CB8AC3E}">
-        <p14:creationId xmlns:p14="http://schemas.microsoft.com/office/powerpoint/2010/main" val="53996721"/>
-      </p:ext>
-    </p:extLst>
   </p:cSld>
   <p:clrMapOvr>
     <a:masterClrMapping/>
@@ -964,13 +831,7 @@
       </p:grpSpPr>
       <p:sp>
         <p:nvSpPr>
-          <p:cNvPr id="2" name="标题 1">
-            <a:extLst>
-              <a:ext uri="{FF2B5EF4-FFF2-40B4-BE49-F238E27FC236}">
-                <a16:creationId xmlns:a16="http://schemas.microsoft.com/office/drawing/2014/main" id="{9469D62F-71A4-4CD5-9B92-87698F1D41FE}"/>
-              </a:ext>
-            </a:extLst>
-          </p:cNvPr>
+          <p:cNvPr id="2" name="标题 1"/>
           <p:cNvSpPr>
             <a:spLocks noGrp="1"/>
           </p:cNvSpPr>
@@ -996,23 +857,18 @@
               <a:rPr lang="zh-CN" altLang="en-US"/>
               <a:t>单击此处编辑母版标题样式</a:t>
             </a:r>
-          </a:p>
-        </p:txBody>
-      </p:sp>
-      <p:sp>
-        <p:nvSpPr>
-          <p:cNvPr id="3" name="文本占位符 2">
-            <a:extLst>
-              <a:ext uri="{FF2B5EF4-FFF2-40B4-BE49-F238E27FC236}">
-                <a16:creationId xmlns:a16="http://schemas.microsoft.com/office/drawing/2014/main" id="{8E73094A-58B6-4B43-A608-3D1429821A19}"/>
-              </a:ext>
-            </a:extLst>
-          </p:cNvPr>
-          <p:cNvSpPr>
-            <a:spLocks noGrp="1"/>
-          </p:cNvSpPr>
-          <p:nvPr>
-            <p:ph type="body" idx="1"/>
+            <a:endParaRPr lang="zh-CN" altLang="en-US"/>
+          </a:p>
+        </p:txBody>
+      </p:sp>
+      <p:sp>
+        <p:nvSpPr>
+          <p:cNvPr id="3" name="文本占位符 2"/>
+          <p:cNvSpPr>
+            <a:spLocks noGrp="1"/>
+          </p:cNvSpPr>
+          <p:nvPr>
+            <p:ph type="body" idx="1" hasCustomPrompt="1"/>
           </p:nvPr>
         </p:nvSpPr>
         <p:spPr>
@@ -1121,18 +977,13 @@
               <a:rPr lang="zh-CN" altLang="en-US"/>
               <a:t>编辑母版文本样式</a:t>
             </a:r>
-          </a:p>
-        </p:txBody>
-      </p:sp>
-      <p:sp>
-        <p:nvSpPr>
-          <p:cNvPr id="4" name="日期占位符 3">
-            <a:extLst>
-              <a:ext uri="{FF2B5EF4-FFF2-40B4-BE49-F238E27FC236}">
-                <a16:creationId xmlns:a16="http://schemas.microsoft.com/office/drawing/2014/main" id="{6A982B80-C83F-43BF-9539-9B950452F73E}"/>
-              </a:ext>
-            </a:extLst>
-          </p:cNvPr>
+            <a:endParaRPr lang="zh-CN" altLang="en-US"/>
+          </a:p>
+        </p:txBody>
+      </p:sp>
+      <p:sp>
+        <p:nvSpPr>
+          <p:cNvPr id="4" name="日期占位符 3"/>
           <p:cNvSpPr>
             <a:spLocks noGrp="1"/>
           </p:cNvSpPr>
@@ -1147,7 +998,6 @@
           <a:p>
             <a:fld id="{6ED5456A-8B7C-4593-A15F-49DCAC2C5263}" type="datetimeFigureOut">
               <a:rPr lang="zh-CN" altLang="en-US" smtClean="0"/>
-              <a:t>2018/9/7</a:t>
             </a:fld>
             <a:endParaRPr lang="zh-CN" altLang="en-US"/>
           </a:p>
@@ -1155,13 +1005,7 @@
       </p:sp>
       <p:sp>
         <p:nvSpPr>
-          <p:cNvPr id="5" name="页脚占位符 4">
-            <a:extLst>
-              <a:ext uri="{FF2B5EF4-FFF2-40B4-BE49-F238E27FC236}">
-                <a16:creationId xmlns:a16="http://schemas.microsoft.com/office/drawing/2014/main" id="{AB2FE853-9C5C-4506-AF12-D69DB74785E1}"/>
-              </a:ext>
-            </a:extLst>
-          </p:cNvPr>
+          <p:cNvPr id="5" name="页脚占位符 4"/>
           <p:cNvSpPr>
             <a:spLocks noGrp="1"/>
           </p:cNvSpPr>
@@ -1180,13 +1024,7 @@
       </p:sp>
       <p:sp>
         <p:nvSpPr>
-          <p:cNvPr id="6" name="灯片编号占位符 5">
-            <a:extLst>
-              <a:ext uri="{FF2B5EF4-FFF2-40B4-BE49-F238E27FC236}">
-                <a16:creationId xmlns:a16="http://schemas.microsoft.com/office/drawing/2014/main" id="{AAC1F310-A806-4EAE-999A-B454EF6CF21A}"/>
-              </a:ext>
-            </a:extLst>
-          </p:cNvPr>
+          <p:cNvPr id="6" name="灯片编号占位符 5"/>
           <p:cNvSpPr>
             <a:spLocks noGrp="1"/>
           </p:cNvSpPr>
@@ -1201,18 +1039,12 @@
           <a:p>
             <a:fld id="{0DA16BDB-B271-4261-99DC-832B85DA9FD5}" type="slidenum">
               <a:rPr lang="zh-CN" altLang="en-US" smtClean="0"/>
-              <a:t>‹#›</a:t>
             </a:fld>
             <a:endParaRPr lang="zh-CN" altLang="en-US"/>
           </a:p>
         </p:txBody>
       </p:sp>
     </p:spTree>
-    <p:extLst>
-      <p:ext uri="{BB962C8B-B14F-4D97-AF65-F5344CB8AC3E}">
-        <p14:creationId xmlns:p14="http://schemas.microsoft.com/office/powerpoint/2010/main" val="1871624606"/>
-      </p:ext>
-    </p:extLst>
   </p:cSld>
   <p:clrMapOvr>
     <a:masterClrMapping/>
@@ -1239,13 +1071,7 @@
       </p:grpSpPr>
       <p:sp>
         <p:nvSpPr>
-          <p:cNvPr id="2" name="标题 1">
-            <a:extLst>
-              <a:ext uri="{FF2B5EF4-FFF2-40B4-BE49-F238E27FC236}">
-                <a16:creationId xmlns:a16="http://schemas.microsoft.com/office/drawing/2014/main" id="{26BFED50-89B1-4240-B35B-9A63571D3D2C}"/>
-              </a:ext>
-            </a:extLst>
-          </p:cNvPr>
+          <p:cNvPr id="2" name="标题 1"/>
           <p:cNvSpPr>
             <a:spLocks noGrp="1"/>
           </p:cNvSpPr>
@@ -1262,23 +1088,18 @@
               <a:rPr lang="zh-CN" altLang="en-US"/>
               <a:t>单击此处编辑母版标题样式</a:t>
             </a:r>
-          </a:p>
-        </p:txBody>
-      </p:sp>
-      <p:sp>
-        <p:nvSpPr>
-          <p:cNvPr id="3" name="内容占位符 2">
-            <a:extLst>
-              <a:ext uri="{FF2B5EF4-FFF2-40B4-BE49-F238E27FC236}">
-                <a16:creationId xmlns:a16="http://schemas.microsoft.com/office/drawing/2014/main" id="{F166CEA8-069E-45A1-80C5-91AC0D2D32C8}"/>
-              </a:ext>
-            </a:extLst>
-          </p:cNvPr>
-          <p:cNvSpPr>
-            <a:spLocks noGrp="1"/>
-          </p:cNvSpPr>
-          <p:nvPr>
-            <p:ph sz="half" idx="1"/>
+            <a:endParaRPr lang="zh-CN" altLang="en-US"/>
+          </a:p>
+        </p:txBody>
+      </p:sp>
+      <p:sp>
+        <p:nvSpPr>
+          <p:cNvPr id="3" name="内容占位符 2"/>
+          <p:cNvSpPr>
+            <a:spLocks noGrp="1"/>
+          </p:cNvSpPr>
+          <p:nvPr>
+            <p:ph sz="half" idx="1" hasCustomPrompt="1"/>
           </p:nvPr>
         </p:nvSpPr>
         <p:spPr>
@@ -1296,6 +1117,7 @@
               <a:rPr lang="zh-CN" altLang="en-US"/>
               <a:t>编辑母版文本样式</a:t>
             </a:r>
+            <a:endParaRPr lang="zh-CN" altLang="en-US"/>
           </a:p>
           <a:p>
             <a:pPr lvl="1"/>
@@ -1303,6 +1125,7 @@
               <a:rPr lang="zh-CN" altLang="en-US"/>
               <a:t>第二级</a:t>
             </a:r>
+            <a:endParaRPr lang="zh-CN" altLang="en-US"/>
           </a:p>
           <a:p>
             <a:pPr lvl="2"/>
@@ -1310,6 +1133,7 @@
               <a:rPr lang="zh-CN" altLang="en-US"/>
               <a:t>第三级</a:t>
             </a:r>
+            <a:endParaRPr lang="zh-CN" altLang="en-US"/>
           </a:p>
           <a:p>
             <a:pPr lvl="3"/>
@@ -1317,6 +1141,7 @@
               <a:rPr lang="zh-CN" altLang="en-US"/>
               <a:t>第四级</a:t>
             </a:r>
+            <a:endParaRPr lang="zh-CN" altLang="en-US"/>
           </a:p>
           <a:p>
             <a:pPr lvl="4"/>
@@ -1324,23 +1149,18 @@
               <a:rPr lang="zh-CN" altLang="en-US"/>
               <a:t>第五级</a:t>
             </a:r>
-          </a:p>
-        </p:txBody>
-      </p:sp>
-      <p:sp>
-        <p:nvSpPr>
-          <p:cNvPr id="4" name="内容占位符 3">
-            <a:extLst>
-              <a:ext uri="{FF2B5EF4-FFF2-40B4-BE49-F238E27FC236}">
-                <a16:creationId xmlns:a16="http://schemas.microsoft.com/office/drawing/2014/main" id="{6A92C1A0-FED0-4C41-AC66-4EC14D8F070D}"/>
-              </a:ext>
-            </a:extLst>
-          </p:cNvPr>
-          <p:cNvSpPr>
-            <a:spLocks noGrp="1"/>
-          </p:cNvSpPr>
-          <p:nvPr>
-            <p:ph sz="half" idx="2"/>
+            <a:endParaRPr lang="zh-CN" altLang="en-US"/>
+          </a:p>
+        </p:txBody>
+      </p:sp>
+      <p:sp>
+        <p:nvSpPr>
+          <p:cNvPr id="4" name="内容占位符 3"/>
+          <p:cNvSpPr>
+            <a:spLocks noGrp="1"/>
+          </p:cNvSpPr>
+          <p:nvPr>
+            <p:ph sz="half" idx="2" hasCustomPrompt="1"/>
           </p:nvPr>
         </p:nvSpPr>
         <p:spPr>
@@ -1358,6 +1178,7 @@
               <a:rPr lang="zh-CN" altLang="en-US"/>
               <a:t>编辑母版文本样式</a:t>
             </a:r>
+            <a:endParaRPr lang="zh-CN" altLang="en-US"/>
           </a:p>
           <a:p>
             <a:pPr lvl="1"/>
@@ -1365,6 +1186,7 @@
               <a:rPr lang="zh-CN" altLang="en-US"/>
               <a:t>第二级</a:t>
             </a:r>
+            <a:endParaRPr lang="zh-CN" altLang="en-US"/>
           </a:p>
           <a:p>
             <a:pPr lvl="2"/>
@@ -1372,6 +1194,7 @@
               <a:rPr lang="zh-CN" altLang="en-US"/>
               <a:t>第三级</a:t>
             </a:r>
+            <a:endParaRPr lang="zh-CN" altLang="en-US"/>
           </a:p>
           <a:p>
             <a:pPr lvl="3"/>
@@ -1379,6 +1202,7 @@
               <a:rPr lang="zh-CN" altLang="en-US"/>
               <a:t>第四级</a:t>
             </a:r>
+            <a:endParaRPr lang="zh-CN" altLang="en-US"/>
           </a:p>
           <a:p>
             <a:pPr lvl="4"/>
@@ -1386,18 +1210,13 @@
               <a:rPr lang="zh-CN" altLang="en-US"/>
               <a:t>第五级</a:t>
             </a:r>
-          </a:p>
-        </p:txBody>
-      </p:sp>
-      <p:sp>
-        <p:nvSpPr>
-          <p:cNvPr id="5" name="日期占位符 4">
-            <a:extLst>
-              <a:ext uri="{FF2B5EF4-FFF2-40B4-BE49-F238E27FC236}">
-                <a16:creationId xmlns:a16="http://schemas.microsoft.com/office/drawing/2014/main" id="{550FF14E-D4EE-4CCA-91E8-4AB153279259}"/>
-              </a:ext>
-            </a:extLst>
-          </p:cNvPr>
+            <a:endParaRPr lang="zh-CN" altLang="en-US"/>
+          </a:p>
+        </p:txBody>
+      </p:sp>
+      <p:sp>
+        <p:nvSpPr>
+          <p:cNvPr id="5" name="日期占位符 4"/>
           <p:cNvSpPr>
             <a:spLocks noGrp="1"/>
           </p:cNvSpPr>
@@ -1412,7 +1231,6 @@
           <a:p>
             <a:fld id="{6ED5456A-8B7C-4593-A15F-49DCAC2C5263}" type="datetimeFigureOut">
               <a:rPr lang="zh-CN" altLang="en-US" smtClean="0"/>
-              <a:t>2018/9/7</a:t>
             </a:fld>
             <a:endParaRPr lang="zh-CN" altLang="en-US"/>
           </a:p>
@@ -1420,13 +1238,7 @@
       </p:sp>
       <p:sp>
         <p:nvSpPr>
-          <p:cNvPr id="6" name="页脚占位符 5">
-            <a:extLst>
-              <a:ext uri="{FF2B5EF4-FFF2-40B4-BE49-F238E27FC236}">
-                <a16:creationId xmlns:a16="http://schemas.microsoft.com/office/drawing/2014/main" id="{CEFDF029-85CE-4AAC-81BB-C9746BCC7E90}"/>
-              </a:ext>
-            </a:extLst>
-          </p:cNvPr>
+          <p:cNvPr id="6" name="页脚占位符 5"/>
           <p:cNvSpPr>
             <a:spLocks noGrp="1"/>
           </p:cNvSpPr>
@@ -1445,13 +1257,7 @@
       </p:sp>
       <p:sp>
         <p:nvSpPr>
-          <p:cNvPr id="7" name="灯片编号占位符 6">
-            <a:extLst>
-              <a:ext uri="{FF2B5EF4-FFF2-40B4-BE49-F238E27FC236}">
-                <a16:creationId xmlns:a16="http://schemas.microsoft.com/office/drawing/2014/main" id="{5C6FD16E-0280-4AE8-86C5-37C7ECDEE263}"/>
-              </a:ext>
-            </a:extLst>
-          </p:cNvPr>
+          <p:cNvPr id="7" name="灯片编号占位符 6"/>
           <p:cNvSpPr>
             <a:spLocks noGrp="1"/>
           </p:cNvSpPr>
@@ -1466,18 +1272,12 @@
           <a:p>
             <a:fld id="{0DA16BDB-B271-4261-99DC-832B85DA9FD5}" type="slidenum">
               <a:rPr lang="zh-CN" altLang="en-US" smtClean="0"/>
-              <a:t>‹#›</a:t>
             </a:fld>
             <a:endParaRPr lang="zh-CN" altLang="en-US"/>
           </a:p>
         </p:txBody>
       </p:sp>
     </p:spTree>
-    <p:extLst>
-      <p:ext uri="{BB962C8B-B14F-4D97-AF65-F5344CB8AC3E}">
-        <p14:creationId xmlns:p14="http://schemas.microsoft.com/office/powerpoint/2010/main" val="722008651"/>
-      </p:ext>
-    </p:extLst>
   </p:cSld>
   <p:clrMapOvr>
     <a:masterClrMapping/>
@@ -1504,13 +1304,7 @@
       </p:grpSpPr>
       <p:sp>
         <p:nvSpPr>
-          <p:cNvPr id="2" name="标题 1">
-            <a:extLst>
-              <a:ext uri="{FF2B5EF4-FFF2-40B4-BE49-F238E27FC236}">
-                <a16:creationId xmlns:a16="http://schemas.microsoft.com/office/drawing/2014/main" id="{76254FD8-3D7C-4520-8785-888DDF2F9C53}"/>
-              </a:ext>
-            </a:extLst>
-          </p:cNvPr>
+          <p:cNvPr id="2" name="标题 1"/>
           <p:cNvSpPr>
             <a:spLocks noGrp="1"/>
           </p:cNvSpPr>
@@ -1532,23 +1326,18 @@
               <a:rPr lang="zh-CN" altLang="en-US"/>
               <a:t>单击此处编辑母版标题样式</a:t>
             </a:r>
-          </a:p>
-        </p:txBody>
-      </p:sp>
-      <p:sp>
-        <p:nvSpPr>
-          <p:cNvPr id="3" name="文本占位符 2">
-            <a:extLst>
-              <a:ext uri="{FF2B5EF4-FFF2-40B4-BE49-F238E27FC236}">
-                <a16:creationId xmlns:a16="http://schemas.microsoft.com/office/drawing/2014/main" id="{7B3DBA6F-BEFE-4D0B-BD55-4B3904F0BF62}"/>
-              </a:ext>
-            </a:extLst>
-          </p:cNvPr>
-          <p:cNvSpPr>
-            <a:spLocks noGrp="1"/>
-          </p:cNvSpPr>
-          <p:nvPr>
-            <p:ph type="body" idx="1"/>
+            <a:endParaRPr lang="zh-CN" altLang="en-US"/>
+          </a:p>
+        </p:txBody>
+      </p:sp>
+      <p:sp>
+        <p:nvSpPr>
+          <p:cNvPr id="3" name="文本占位符 2"/>
+          <p:cNvSpPr>
+            <a:spLocks noGrp="1"/>
+          </p:cNvSpPr>
+          <p:nvPr>
+            <p:ph type="body" idx="1" hasCustomPrompt="1"/>
           </p:nvPr>
         </p:nvSpPr>
         <p:spPr>
@@ -1603,23 +1392,18 @@
               <a:rPr lang="zh-CN" altLang="en-US"/>
               <a:t>编辑母版文本样式</a:t>
             </a:r>
-          </a:p>
-        </p:txBody>
-      </p:sp>
-      <p:sp>
-        <p:nvSpPr>
-          <p:cNvPr id="4" name="内容占位符 3">
-            <a:extLst>
-              <a:ext uri="{FF2B5EF4-FFF2-40B4-BE49-F238E27FC236}">
-                <a16:creationId xmlns:a16="http://schemas.microsoft.com/office/drawing/2014/main" id="{2972ACDC-3D3E-40D4-BE5D-A79C8F418527}"/>
-              </a:ext>
-            </a:extLst>
-          </p:cNvPr>
-          <p:cNvSpPr>
-            <a:spLocks noGrp="1"/>
-          </p:cNvSpPr>
-          <p:nvPr>
-            <p:ph sz="half" idx="2"/>
+            <a:endParaRPr lang="zh-CN" altLang="en-US"/>
+          </a:p>
+        </p:txBody>
+      </p:sp>
+      <p:sp>
+        <p:nvSpPr>
+          <p:cNvPr id="4" name="内容占位符 3"/>
+          <p:cNvSpPr>
+            <a:spLocks noGrp="1"/>
+          </p:cNvSpPr>
+          <p:nvPr>
+            <p:ph sz="half" idx="2" hasCustomPrompt="1"/>
           </p:nvPr>
         </p:nvSpPr>
         <p:spPr>
@@ -1637,6 +1421,7 @@
               <a:rPr lang="zh-CN" altLang="en-US"/>
               <a:t>编辑母版文本样式</a:t>
             </a:r>
+            <a:endParaRPr lang="zh-CN" altLang="en-US"/>
           </a:p>
           <a:p>
             <a:pPr lvl="1"/>
@@ -1644,6 +1429,7 @@
               <a:rPr lang="zh-CN" altLang="en-US"/>
               <a:t>第二级</a:t>
             </a:r>
+            <a:endParaRPr lang="zh-CN" altLang="en-US"/>
           </a:p>
           <a:p>
             <a:pPr lvl="2"/>
@@ -1651,6 +1437,7 @@
               <a:rPr lang="zh-CN" altLang="en-US"/>
               <a:t>第三级</a:t>
             </a:r>
+            <a:endParaRPr lang="zh-CN" altLang="en-US"/>
           </a:p>
           <a:p>
             <a:pPr lvl="3"/>
@@ -1658,6 +1445,7 @@
               <a:rPr lang="zh-CN" altLang="en-US"/>
               <a:t>第四级</a:t>
             </a:r>
+            <a:endParaRPr lang="zh-CN" altLang="en-US"/>
           </a:p>
           <a:p>
             <a:pPr lvl="4"/>
@@ -1665,23 +1453,18 @@
               <a:rPr lang="zh-CN" altLang="en-US"/>
               <a:t>第五级</a:t>
             </a:r>
-          </a:p>
-        </p:txBody>
-      </p:sp>
-      <p:sp>
-        <p:nvSpPr>
-          <p:cNvPr id="5" name="文本占位符 4">
-            <a:extLst>
-              <a:ext uri="{FF2B5EF4-FFF2-40B4-BE49-F238E27FC236}">
-                <a16:creationId xmlns:a16="http://schemas.microsoft.com/office/drawing/2014/main" id="{4EF1A181-E1AE-401A-85C6-C3E83B785195}"/>
-              </a:ext>
-            </a:extLst>
-          </p:cNvPr>
-          <p:cNvSpPr>
-            <a:spLocks noGrp="1"/>
-          </p:cNvSpPr>
-          <p:nvPr>
-            <p:ph type="body" sz="quarter" idx="3"/>
+            <a:endParaRPr lang="zh-CN" altLang="en-US"/>
+          </a:p>
+        </p:txBody>
+      </p:sp>
+      <p:sp>
+        <p:nvSpPr>
+          <p:cNvPr id="5" name="文本占位符 4"/>
+          <p:cNvSpPr>
+            <a:spLocks noGrp="1"/>
+          </p:cNvSpPr>
+          <p:nvPr>
+            <p:ph type="body" sz="quarter" idx="3" hasCustomPrompt="1"/>
           </p:nvPr>
         </p:nvSpPr>
         <p:spPr>
@@ -1736,23 +1519,18 @@
               <a:rPr lang="zh-CN" altLang="en-US"/>
               <a:t>编辑母版文本样式</a:t>
             </a:r>
-          </a:p>
-        </p:txBody>
-      </p:sp>
-      <p:sp>
-        <p:nvSpPr>
-          <p:cNvPr id="6" name="内容占位符 5">
-            <a:extLst>
-              <a:ext uri="{FF2B5EF4-FFF2-40B4-BE49-F238E27FC236}">
-                <a16:creationId xmlns:a16="http://schemas.microsoft.com/office/drawing/2014/main" id="{46845ADF-8BB4-4EFB-AA4D-AEAFD5028443}"/>
-              </a:ext>
-            </a:extLst>
-          </p:cNvPr>
-          <p:cNvSpPr>
-            <a:spLocks noGrp="1"/>
-          </p:cNvSpPr>
-          <p:nvPr>
-            <p:ph sz="quarter" idx="4"/>
+            <a:endParaRPr lang="zh-CN" altLang="en-US"/>
+          </a:p>
+        </p:txBody>
+      </p:sp>
+      <p:sp>
+        <p:nvSpPr>
+          <p:cNvPr id="6" name="内容占位符 5"/>
+          <p:cNvSpPr>
+            <a:spLocks noGrp="1"/>
+          </p:cNvSpPr>
+          <p:nvPr>
+            <p:ph sz="quarter" idx="4" hasCustomPrompt="1"/>
           </p:nvPr>
         </p:nvSpPr>
         <p:spPr>
@@ -1770,6 +1548,7 @@
               <a:rPr lang="zh-CN" altLang="en-US"/>
               <a:t>编辑母版文本样式</a:t>
             </a:r>
+            <a:endParaRPr lang="zh-CN" altLang="en-US"/>
           </a:p>
           <a:p>
             <a:pPr lvl="1"/>
@@ -1777,6 +1556,7 @@
               <a:rPr lang="zh-CN" altLang="en-US"/>
               <a:t>第二级</a:t>
             </a:r>
+            <a:endParaRPr lang="zh-CN" altLang="en-US"/>
           </a:p>
           <a:p>
             <a:pPr lvl="2"/>
@@ -1784,6 +1564,7 @@
               <a:rPr lang="zh-CN" altLang="en-US"/>
               <a:t>第三级</a:t>
             </a:r>
+            <a:endParaRPr lang="zh-CN" altLang="en-US"/>
           </a:p>
           <a:p>
             <a:pPr lvl="3"/>
@@ -1791,6 +1572,7 @@
               <a:rPr lang="zh-CN" altLang="en-US"/>
               <a:t>第四级</a:t>
             </a:r>
+            <a:endParaRPr lang="zh-CN" altLang="en-US"/>
           </a:p>
           <a:p>
             <a:pPr lvl="4"/>
@@ -1798,18 +1580,13 @@
               <a:rPr lang="zh-CN" altLang="en-US"/>
               <a:t>第五级</a:t>
             </a:r>
-          </a:p>
-        </p:txBody>
-      </p:sp>
-      <p:sp>
-        <p:nvSpPr>
-          <p:cNvPr id="7" name="日期占位符 6">
-            <a:extLst>
-              <a:ext uri="{FF2B5EF4-FFF2-40B4-BE49-F238E27FC236}">
-                <a16:creationId xmlns:a16="http://schemas.microsoft.com/office/drawing/2014/main" id="{0A8C19D3-88F5-4915-B5CD-0F71EF631285}"/>
-              </a:ext>
-            </a:extLst>
-          </p:cNvPr>
+            <a:endParaRPr lang="zh-CN" altLang="en-US"/>
+          </a:p>
+        </p:txBody>
+      </p:sp>
+      <p:sp>
+        <p:nvSpPr>
+          <p:cNvPr id="7" name="日期占位符 6"/>
           <p:cNvSpPr>
             <a:spLocks noGrp="1"/>
           </p:cNvSpPr>
@@ -1824,7 +1601,6 @@
           <a:p>
             <a:fld id="{6ED5456A-8B7C-4593-A15F-49DCAC2C5263}" type="datetimeFigureOut">
               <a:rPr lang="zh-CN" altLang="en-US" smtClean="0"/>
-              <a:t>2018/9/7</a:t>
             </a:fld>
             <a:endParaRPr lang="zh-CN" altLang="en-US"/>
           </a:p>
@@ -1832,13 +1608,7 @@
       </p:sp>
       <p:sp>
         <p:nvSpPr>
-          <p:cNvPr id="8" name="页脚占位符 7">
-            <a:extLst>
-              <a:ext uri="{FF2B5EF4-FFF2-40B4-BE49-F238E27FC236}">
-                <a16:creationId xmlns:a16="http://schemas.microsoft.com/office/drawing/2014/main" id="{2294AE9A-E115-49F0-A737-AE9908E1C262}"/>
-              </a:ext>
-            </a:extLst>
-          </p:cNvPr>
+          <p:cNvPr id="8" name="页脚占位符 7"/>
           <p:cNvSpPr>
             <a:spLocks noGrp="1"/>
           </p:cNvSpPr>
@@ -1857,13 +1627,7 @@
       </p:sp>
       <p:sp>
         <p:nvSpPr>
-          <p:cNvPr id="9" name="灯片编号占位符 8">
-            <a:extLst>
-              <a:ext uri="{FF2B5EF4-FFF2-40B4-BE49-F238E27FC236}">
-                <a16:creationId xmlns:a16="http://schemas.microsoft.com/office/drawing/2014/main" id="{5159177A-0F30-490D-A5F7-5A6DF8EAF8A5}"/>
-              </a:ext>
-            </a:extLst>
-          </p:cNvPr>
+          <p:cNvPr id="9" name="灯片编号占位符 8"/>
           <p:cNvSpPr>
             <a:spLocks noGrp="1"/>
           </p:cNvSpPr>
@@ -1878,18 +1642,12 @@
           <a:p>
             <a:fld id="{0DA16BDB-B271-4261-99DC-832B85DA9FD5}" type="slidenum">
               <a:rPr lang="zh-CN" altLang="en-US" smtClean="0"/>
-              <a:t>‹#›</a:t>
             </a:fld>
             <a:endParaRPr lang="zh-CN" altLang="en-US"/>
           </a:p>
         </p:txBody>
       </p:sp>
     </p:spTree>
-    <p:extLst>
-      <p:ext uri="{BB962C8B-B14F-4D97-AF65-F5344CB8AC3E}">
-        <p14:creationId xmlns:p14="http://schemas.microsoft.com/office/powerpoint/2010/main" val="3625824017"/>
-      </p:ext>
-    </p:extLst>
   </p:cSld>
   <p:clrMapOvr>
     <a:masterClrMapping/>
@@ -1916,13 +1674,7 @@
       </p:grpSpPr>
       <p:sp>
         <p:nvSpPr>
-          <p:cNvPr id="2" name="标题 1">
-            <a:extLst>
-              <a:ext uri="{FF2B5EF4-FFF2-40B4-BE49-F238E27FC236}">
-                <a16:creationId xmlns:a16="http://schemas.microsoft.com/office/drawing/2014/main" id="{0C10FE3A-66B7-4BD9-ACEC-4FA9BA5E7498}"/>
-              </a:ext>
-            </a:extLst>
-          </p:cNvPr>
+          <p:cNvPr id="2" name="标题 1"/>
           <p:cNvSpPr>
             <a:spLocks noGrp="1"/>
           </p:cNvSpPr>
@@ -1939,18 +1691,13 @@
               <a:rPr lang="zh-CN" altLang="en-US"/>
               <a:t>单击此处编辑母版标题样式</a:t>
             </a:r>
-          </a:p>
-        </p:txBody>
-      </p:sp>
-      <p:sp>
-        <p:nvSpPr>
-          <p:cNvPr id="3" name="日期占位符 2">
-            <a:extLst>
-              <a:ext uri="{FF2B5EF4-FFF2-40B4-BE49-F238E27FC236}">
-                <a16:creationId xmlns:a16="http://schemas.microsoft.com/office/drawing/2014/main" id="{A050FBD5-78FA-41B5-AC66-597B0022C5F0}"/>
-              </a:ext>
-            </a:extLst>
-          </p:cNvPr>
+            <a:endParaRPr lang="zh-CN" altLang="en-US"/>
+          </a:p>
+        </p:txBody>
+      </p:sp>
+      <p:sp>
+        <p:nvSpPr>
+          <p:cNvPr id="3" name="日期占位符 2"/>
           <p:cNvSpPr>
             <a:spLocks noGrp="1"/>
           </p:cNvSpPr>
@@ -1965,7 +1712,6 @@
           <a:p>
             <a:fld id="{6ED5456A-8B7C-4593-A15F-49DCAC2C5263}" type="datetimeFigureOut">
               <a:rPr lang="zh-CN" altLang="en-US" smtClean="0"/>
-              <a:t>2018/9/7</a:t>
             </a:fld>
             <a:endParaRPr lang="zh-CN" altLang="en-US"/>
           </a:p>
@@ -1973,13 +1719,7 @@
       </p:sp>
       <p:sp>
         <p:nvSpPr>
-          <p:cNvPr id="4" name="页脚占位符 3">
-            <a:extLst>
-              <a:ext uri="{FF2B5EF4-FFF2-40B4-BE49-F238E27FC236}">
-                <a16:creationId xmlns:a16="http://schemas.microsoft.com/office/drawing/2014/main" id="{55F11D4D-2848-4DCA-84D3-ACA1AD71BB83}"/>
-              </a:ext>
-            </a:extLst>
-          </p:cNvPr>
+          <p:cNvPr id="4" name="页脚占位符 3"/>
           <p:cNvSpPr>
             <a:spLocks noGrp="1"/>
           </p:cNvSpPr>
@@ -1998,13 +1738,7 @@
       </p:sp>
       <p:sp>
         <p:nvSpPr>
-          <p:cNvPr id="5" name="灯片编号占位符 4">
-            <a:extLst>
-              <a:ext uri="{FF2B5EF4-FFF2-40B4-BE49-F238E27FC236}">
-                <a16:creationId xmlns:a16="http://schemas.microsoft.com/office/drawing/2014/main" id="{20D4B34F-EDA5-4291-ACB3-92153BC91F49}"/>
-              </a:ext>
-            </a:extLst>
-          </p:cNvPr>
+          <p:cNvPr id="5" name="灯片编号占位符 4"/>
           <p:cNvSpPr>
             <a:spLocks noGrp="1"/>
           </p:cNvSpPr>
@@ -2019,18 +1753,12 @@
           <a:p>
             <a:fld id="{0DA16BDB-B271-4261-99DC-832B85DA9FD5}" type="slidenum">
               <a:rPr lang="zh-CN" altLang="en-US" smtClean="0"/>
-              <a:t>‹#›</a:t>
             </a:fld>
             <a:endParaRPr lang="zh-CN" altLang="en-US"/>
           </a:p>
         </p:txBody>
       </p:sp>
     </p:spTree>
-    <p:extLst>
-      <p:ext uri="{BB962C8B-B14F-4D97-AF65-F5344CB8AC3E}">
-        <p14:creationId xmlns:p14="http://schemas.microsoft.com/office/powerpoint/2010/main" val="741051311"/>
-      </p:ext>
-    </p:extLst>
   </p:cSld>
   <p:clrMapOvr>
     <a:masterClrMapping/>
@@ -2057,13 +1785,7 @@
       </p:grpSpPr>
       <p:sp>
         <p:nvSpPr>
-          <p:cNvPr id="2" name="日期占位符 1">
-            <a:extLst>
-              <a:ext uri="{FF2B5EF4-FFF2-40B4-BE49-F238E27FC236}">
-                <a16:creationId xmlns:a16="http://schemas.microsoft.com/office/drawing/2014/main" id="{9C73CC93-FBB9-4778-A5BE-625282A5C1E0}"/>
-              </a:ext>
-            </a:extLst>
-          </p:cNvPr>
+          <p:cNvPr id="2" name="日期占位符 1"/>
           <p:cNvSpPr>
             <a:spLocks noGrp="1"/>
           </p:cNvSpPr>
@@ -2078,7 +1800,6 @@
           <a:p>
             <a:fld id="{6ED5456A-8B7C-4593-A15F-49DCAC2C5263}" type="datetimeFigureOut">
               <a:rPr lang="zh-CN" altLang="en-US" smtClean="0"/>
-              <a:t>2018/9/7</a:t>
             </a:fld>
             <a:endParaRPr lang="zh-CN" altLang="en-US"/>
           </a:p>
@@ -2086,13 +1807,7 @@
       </p:sp>
       <p:sp>
         <p:nvSpPr>
-          <p:cNvPr id="3" name="页脚占位符 2">
-            <a:extLst>
-              <a:ext uri="{FF2B5EF4-FFF2-40B4-BE49-F238E27FC236}">
-                <a16:creationId xmlns:a16="http://schemas.microsoft.com/office/drawing/2014/main" id="{71ACC5AC-6EA2-4AD8-950D-982D0CC53237}"/>
-              </a:ext>
-            </a:extLst>
-          </p:cNvPr>
+          <p:cNvPr id="3" name="页脚占位符 2"/>
           <p:cNvSpPr>
             <a:spLocks noGrp="1"/>
           </p:cNvSpPr>
@@ -2111,13 +1826,7 @@
       </p:sp>
       <p:sp>
         <p:nvSpPr>
-          <p:cNvPr id="4" name="灯片编号占位符 3">
-            <a:extLst>
-              <a:ext uri="{FF2B5EF4-FFF2-40B4-BE49-F238E27FC236}">
-                <a16:creationId xmlns:a16="http://schemas.microsoft.com/office/drawing/2014/main" id="{C4F0DF06-FA74-4F55-BC79-788D5E6B9C18}"/>
-              </a:ext>
-            </a:extLst>
-          </p:cNvPr>
+          <p:cNvPr id="4" name="灯片编号占位符 3"/>
           <p:cNvSpPr>
             <a:spLocks noGrp="1"/>
           </p:cNvSpPr>
@@ -2132,18 +1841,12 @@
           <a:p>
             <a:fld id="{0DA16BDB-B271-4261-99DC-832B85DA9FD5}" type="slidenum">
               <a:rPr lang="zh-CN" altLang="en-US" smtClean="0"/>
-              <a:t>‹#›</a:t>
             </a:fld>
             <a:endParaRPr lang="zh-CN" altLang="en-US"/>
           </a:p>
         </p:txBody>
       </p:sp>
     </p:spTree>
-    <p:extLst>
-      <p:ext uri="{BB962C8B-B14F-4D97-AF65-F5344CB8AC3E}">
-        <p14:creationId xmlns:p14="http://schemas.microsoft.com/office/powerpoint/2010/main" val="4157110367"/>
-      </p:ext>
-    </p:extLst>
   </p:cSld>
   <p:clrMapOvr>
     <a:masterClrMapping/>
@@ -2170,13 +1873,7 @@
       </p:grpSpPr>
       <p:sp>
         <p:nvSpPr>
-          <p:cNvPr id="2" name="标题 1">
-            <a:extLst>
-              <a:ext uri="{FF2B5EF4-FFF2-40B4-BE49-F238E27FC236}">
-                <a16:creationId xmlns:a16="http://schemas.microsoft.com/office/drawing/2014/main" id="{0D141648-EE66-4B06-B15E-51CC2B66969D}"/>
-              </a:ext>
-            </a:extLst>
-          </p:cNvPr>
+          <p:cNvPr id="2" name="标题 1"/>
           <p:cNvSpPr>
             <a:spLocks noGrp="1"/>
           </p:cNvSpPr>
@@ -2202,23 +1899,18 @@
               <a:rPr lang="zh-CN" altLang="en-US"/>
               <a:t>单击此处编辑母版标题样式</a:t>
             </a:r>
-          </a:p>
-        </p:txBody>
-      </p:sp>
-      <p:sp>
-        <p:nvSpPr>
-          <p:cNvPr id="3" name="内容占位符 2">
-            <a:extLst>
-              <a:ext uri="{FF2B5EF4-FFF2-40B4-BE49-F238E27FC236}">
-                <a16:creationId xmlns:a16="http://schemas.microsoft.com/office/drawing/2014/main" id="{37D17131-88F2-4875-802F-3E5D636DE27E}"/>
-              </a:ext>
-            </a:extLst>
-          </p:cNvPr>
-          <p:cNvSpPr>
-            <a:spLocks noGrp="1"/>
-          </p:cNvSpPr>
-          <p:nvPr>
-            <p:ph idx="1"/>
+            <a:endParaRPr lang="zh-CN" altLang="en-US"/>
+          </a:p>
+        </p:txBody>
+      </p:sp>
+      <p:sp>
+        <p:nvSpPr>
+          <p:cNvPr id="3" name="内容占位符 2"/>
+          <p:cNvSpPr>
+            <a:spLocks noGrp="1"/>
+          </p:cNvSpPr>
+          <p:nvPr>
+            <p:ph idx="1" hasCustomPrompt="1"/>
           </p:nvPr>
         </p:nvSpPr>
         <p:spPr>
@@ -2264,6 +1956,7 @@
               <a:rPr lang="zh-CN" altLang="en-US"/>
               <a:t>编辑母版文本样式</a:t>
             </a:r>
+            <a:endParaRPr lang="zh-CN" altLang="en-US"/>
           </a:p>
           <a:p>
             <a:pPr lvl="1"/>
@@ -2271,6 +1964,7 @@
               <a:rPr lang="zh-CN" altLang="en-US"/>
               <a:t>第二级</a:t>
             </a:r>
+            <a:endParaRPr lang="zh-CN" altLang="en-US"/>
           </a:p>
           <a:p>
             <a:pPr lvl="2"/>
@@ -2278,6 +1972,7 @@
               <a:rPr lang="zh-CN" altLang="en-US"/>
               <a:t>第三级</a:t>
             </a:r>
+            <a:endParaRPr lang="zh-CN" altLang="en-US"/>
           </a:p>
           <a:p>
             <a:pPr lvl="3"/>
@@ -2285,6 +1980,7 @@
               <a:rPr lang="zh-CN" altLang="en-US"/>
               <a:t>第四级</a:t>
             </a:r>
+            <a:endParaRPr lang="zh-CN" altLang="en-US"/>
           </a:p>
           <a:p>
             <a:pPr lvl="4"/>
@@ -2292,23 +1988,18 @@
               <a:rPr lang="zh-CN" altLang="en-US"/>
               <a:t>第五级</a:t>
             </a:r>
-          </a:p>
-        </p:txBody>
-      </p:sp>
-      <p:sp>
-        <p:nvSpPr>
-          <p:cNvPr id="4" name="文本占位符 3">
-            <a:extLst>
-              <a:ext uri="{FF2B5EF4-FFF2-40B4-BE49-F238E27FC236}">
-                <a16:creationId xmlns:a16="http://schemas.microsoft.com/office/drawing/2014/main" id="{C4388713-73E2-4403-9888-C946860513F1}"/>
-              </a:ext>
-            </a:extLst>
-          </p:cNvPr>
-          <p:cNvSpPr>
-            <a:spLocks noGrp="1"/>
-          </p:cNvSpPr>
-          <p:nvPr>
-            <p:ph type="body" sz="half" idx="2"/>
+            <a:endParaRPr lang="zh-CN" altLang="en-US"/>
+          </a:p>
+        </p:txBody>
+      </p:sp>
+      <p:sp>
+        <p:nvSpPr>
+          <p:cNvPr id="4" name="文本占位符 3"/>
+          <p:cNvSpPr>
+            <a:spLocks noGrp="1"/>
+          </p:cNvSpPr>
+          <p:nvPr>
+            <p:ph type="body" sz="half" idx="2" hasCustomPrompt="1"/>
           </p:nvPr>
         </p:nvSpPr>
         <p:spPr>
@@ -2363,18 +2054,13 @@
               <a:rPr lang="zh-CN" altLang="en-US"/>
               <a:t>编辑母版文本样式</a:t>
             </a:r>
-          </a:p>
-        </p:txBody>
-      </p:sp>
-      <p:sp>
-        <p:nvSpPr>
-          <p:cNvPr id="5" name="日期占位符 4">
-            <a:extLst>
-              <a:ext uri="{FF2B5EF4-FFF2-40B4-BE49-F238E27FC236}">
-                <a16:creationId xmlns:a16="http://schemas.microsoft.com/office/drawing/2014/main" id="{3A30BA0A-173B-40F6-8AD4-F8D732F1313D}"/>
-              </a:ext>
-            </a:extLst>
-          </p:cNvPr>
+            <a:endParaRPr lang="zh-CN" altLang="en-US"/>
+          </a:p>
+        </p:txBody>
+      </p:sp>
+      <p:sp>
+        <p:nvSpPr>
+          <p:cNvPr id="5" name="日期占位符 4"/>
           <p:cNvSpPr>
             <a:spLocks noGrp="1"/>
           </p:cNvSpPr>
@@ -2389,7 +2075,6 @@
           <a:p>
             <a:fld id="{6ED5456A-8B7C-4593-A15F-49DCAC2C5263}" type="datetimeFigureOut">
               <a:rPr lang="zh-CN" altLang="en-US" smtClean="0"/>
-              <a:t>2018/9/7</a:t>
             </a:fld>
             <a:endParaRPr lang="zh-CN" altLang="en-US"/>
           </a:p>
@@ -2397,13 +2082,7 @@
       </p:sp>
       <p:sp>
         <p:nvSpPr>
-          <p:cNvPr id="6" name="页脚占位符 5">
-            <a:extLst>
-              <a:ext uri="{FF2B5EF4-FFF2-40B4-BE49-F238E27FC236}">
-                <a16:creationId xmlns:a16="http://schemas.microsoft.com/office/drawing/2014/main" id="{2CB677E7-1CB5-431C-B99B-5B0F9A1F0F4C}"/>
-              </a:ext>
-            </a:extLst>
-          </p:cNvPr>
+          <p:cNvPr id="6" name="页脚占位符 5"/>
           <p:cNvSpPr>
             <a:spLocks noGrp="1"/>
           </p:cNvSpPr>
@@ -2422,13 +2101,7 @@
       </p:sp>
       <p:sp>
         <p:nvSpPr>
-          <p:cNvPr id="7" name="灯片编号占位符 6">
-            <a:extLst>
-              <a:ext uri="{FF2B5EF4-FFF2-40B4-BE49-F238E27FC236}">
-                <a16:creationId xmlns:a16="http://schemas.microsoft.com/office/drawing/2014/main" id="{49C5B22F-E749-440C-9BF1-B17FCF439E42}"/>
-              </a:ext>
-            </a:extLst>
-          </p:cNvPr>
+          <p:cNvPr id="7" name="灯片编号占位符 6"/>
           <p:cNvSpPr>
             <a:spLocks noGrp="1"/>
           </p:cNvSpPr>
@@ -2443,18 +2116,12 @@
           <a:p>
             <a:fld id="{0DA16BDB-B271-4261-99DC-832B85DA9FD5}" type="slidenum">
               <a:rPr lang="zh-CN" altLang="en-US" smtClean="0"/>
-              <a:t>‹#›</a:t>
             </a:fld>
             <a:endParaRPr lang="zh-CN" altLang="en-US"/>
           </a:p>
         </p:txBody>
       </p:sp>
     </p:spTree>
-    <p:extLst>
-      <p:ext uri="{BB962C8B-B14F-4D97-AF65-F5344CB8AC3E}">
-        <p14:creationId xmlns:p14="http://schemas.microsoft.com/office/powerpoint/2010/main" val="3934965161"/>
-      </p:ext>
-    </p:extLst>
   </p:cSld>
   <p:clrMapOvr>
     <a:masterClrMapping/>
@@ -2481,13 +2148,7 @@
       </p:grpSpPr>
       <p:sp>
         <p:nvSpPr>
-          <p:cNvPr id="2" name="标题 1">
-            <a:extLst>
-              <a:ext uri="{FF2B5EF4-FFF2-40B4-BE49-F238E27FC236}">
-                <a16:creationId xmlns:a16="http://schemas.microsoft.com/office/drawing/2014/main" id="{0AE50B65-64D6-491B-96EA-A80FDCFD9B05}"/>
-              </a:ext>
-            </a:extLst>
-          </p:cNvPr>
+          <p:cNvPr id="2" name="标题 1"/>
           <p:cNvSpPr>
             <a:spLocks noGrp="1"/>
           </p:cNvSpPr>
@@ -2513,18 +2174,13 @@
               <a:rPr lang="zh-CN" altLang="en-US"/>
               <a:t>单击此处编辑母版标题样式</a:t>
             </a:r>
-          </a:p>
-        </p:txBody>
-      </p:sp>
-      <p:sp>
-        <p:nvSpPr>
-          <p:cNvPr id="3" name="图片占位符 2">
-            <a:extLst>
-              <a:ext uri="{FF2B5EF4-FFF2-40B4-BE49-F238E27FC236}">
-                <a16:creationId xmlns:a16="http://schemas.microsoft.com/office/drawing/2014/main" id="{1E6F16EB-1193-47AA-A52A-255B87E2340C}"/>
-              </a:ext>
-            </a:extLst>
-          </p:cNvPr>
+            <a:endParaRPr lang="zh-CN" altLang="en-US"/>
+          </a:p>
+        </p:txBody>
+      </p:sp>
+      <p:sp>
+        <p:nvSpPr>
+          <p:cNvPr id="3" name="图片占位符 2"/>
           <p:cNvSpPr>
             <a:spLocks noGrp="1"/>
           </p:cNvSpPr>
@@ -2585,18 +2241,12 @@
       </p:sp>
       <p:sp>
         <p:nvSpPr>
-          <p:cNvPr id="4" name="文本占位符 3">
-            <a:extLst>
-              <a:ext uri="{FF2B5EF4-FFF2-40B4-BE49-F238E27FC236}">
-                <a16:creationId xmlns:a16="http://schemas.microsoft.com/office/drawing/2014/main" id="{7D7991F5-BED7-4889-B6F0-A5F04B78EE40}"/>
-              </a:ext>
-            </a:extLst>
-          </p:cNvPr>
-          <p:cNvSpPr>
-            <a:spLocks noGrp="1"/>
-          </p:cNvSpPr>
-          <p:nvPr>
-            <p:ph type="body" sz="half" idx="2"/>
+          <p:cNvPr id="4" name="文本占位符 3"/>
+          <p:cNvSpPr>
+            <a:spLocks noGrp="1"/>
+          </p:cNvSpPr>
+          <p:nvPr>
+            <p:ph type="body" sz="half" idx="2" hasCustomPrompt="1"/>
           </p:nvPr>
         </p:nvSpPr>
         <p:spPr>
@@ -2651,18 +2301,13 @@
               <a:rPr lang="zh-CN" altLang="en-US"/>
               <a:t>编辑母版文本样式</a:t>
             </a:r>
-          </a:p>
-        </p:txBody>
-      </p:sp>
-      <p:sp>
-        <p:nvSpPr>
-          <p:cNvPr id="5" name="日期占位符 4">
-            <a:extLst>
-              <a:ext uri="{FF2B5EF4-FFF2-40B4-BE49-F238E27FC236}">
-                <a16:creationId xmlns:a16="http://schemas.microsoft.com/office/drawing/2014/main" id="{FAD78A30-5AC0-4CF1-94BF-7F02982B22A8}"/>
-              </a:ext>
-            </a:extLst>
-          </p:cNvPr>
+            <a:endParaRPr lang="zh-CN" altLang="en-US"/>
+          </a:p>
+        </p:txBody>
+      </p:sp>
+      <p:sp>
+        <p:nvSpPr>
+          <p:cNvPr id="5" name="日期占位符 4"/>
           <p:cNvSpPr>
             <a:spLocks noGrp="1"/>
           </p:cNvSpPr>
@@ -2677,7 +2322,6 @@
           <a:p>
             <a:fld id="{6ED5456A-8B7C-4593-A15F-49DCAC2C5263}" type="datetimeFigureOut">
               <a:rPr lang="zh-CN" altLang="en-US" smtClean="0"/>
-              <a:t>2018/9/7</a:t>
             </a:fld>
             <a:endParaRPr lang="zh-CN" altLang="en-US"/>
           </a:p>
@@ -2685,13 +2329,7 @@
       </p:sp>
       <p:sp>
         <p:nvSpPr>
-          <p:cNvPr id="6" name="页脚占位符 5">
-            <a:extLst>
-              <a:ext uri="{FF2B5EF4-FFF2-40B4-BE49-F238E27FC236}">
-                <a16:creationId xmlns:a16="http://schemas.microsoft.com/office/drawing/2014/main" id="{D4C45C33-B70D-4614-85ED-6BCBE946450F}"/>
-              </a:ext>
-            </a:extLst>
-          </p:cNvPr>
+          <p:cNvPr id="6" name="页脚占位符 5"/>
           <p:cNvSpPr>
             <a:spLocks noGrp="1"/>
           </p:cNvSpPr>
@@ -2710,13 +2348,7 @@
       </p:sp>
       <p:sp>
         <p:nvSpPr>
-          <p:cNvPr id="7" name="灯片编号占位符 6">
-            <a:extLst>
-              <a:ext uri="{FF2B5EF4-FFF2-40B4-BE49-F238E27FC236}">
-                <a16:creationId xmlns:a16="http://schemas.microsoft.com/office/drawing/2014/main" id="{76D82DB2-C9B2-41C6-978A-27914A2FA922}"/>
-              </a:ext>
-            </a:extLst>
-          </p:cNvPr>
+          <p:cNvPr id="7" name="灯片编号占位符 6"/>
           <p:cNvSpPr>
             <a:spLocks noGrp="1"/>
           </p:cNvSpPr>
@@ -2731,18 +2363,12 @@
           <a:p>
             <a:fld id="{0DA16BDB-B271-4261-99DC-832B85DA9FD5}" type="slidenum">
               <a:rPr lang="zh-CN" altLang="en-US" smtClean="0"/>
-              <a:t>‹#›</a:t>
             </a:fld>
             <a:endParaRPr lang="zh-CN" altLang="en-US"/>
           </a:p>
         </p:txBody>
       </p:sp>
     </p:spTree>
-    <p:extLst>
-      <p:ext uri="{BB962C8B-B14F-4D97-AF65-F5344CB8AC3E}">
-        <p14:creationId xmlns:p14="http://schemas.microsoft.com/office/powerpoint/2010/main" val="375121922"/>
-      </p:ext>
-    </p:extLst>
   </p:cSld>
   <p:clrMapOvr>
     <a:masterClrMapping/>
@@ -2774,13 +2400,7 @@
       </p:grpSpPr>
       <p:sp>
         <p:nvSpPr>
-          <p:cNvPr id="2" name="标题占位符 1">
-            <a:extLst>
-              <a:ext uri="{FF2B5EF4-FFF2-40B4-BE49-F238E27FC236}">
-                <a16:creationId xmlns:a16="http://schemas.microsoft.com/office/drawing/2014/main" id="{CE8FE6D0-33C7-4E24-93DC-09D2A868B43B}"/>
-              </a:ext>
-            </a:extLst>
-          </p:cNvPr>
+          <p:cNvPr id="2" name="标题占位符 1"/>
           <p:cNvSpPr>
             <a:spLocks noGrp="1"/>
           </p:cNvSpPr>
@@ -2807,18 +2427,13 @@
               <a:rPr lang="zh-CN" altLang="en-US"/>
               <a:t>单击此处编辑母版标题样式</a:t>
             </a:r>
-          </a:p>
-        </p:txBody>
-      </p:sp>
-      <p:sp>
-        <p:nvSpPr>
-          <p:cNvPr id="3" name="文本占位符 2">
-            <a:extLst>
-              <a:ext uri="{FF2B5EF4-FFF2-40B4-BE49-F238E27FC236}">
-                <a16:creationId xmlns:a16="http://schemas.microsoft.com/office/drawing/2014/main" id="{B9F5B5E9-C14A-4593-950A-E5AE0714068F}"/>
-              </a:ext>
-            </a:extLst>
-          </p:cNvPr>
+            <a:endParaRPr lang="zh-CN" altLang="en-US"/>
+          </a:p>
+        </p:txBody>
+      </p:sp>
+      <p:sp>
+        <p:nvSpPr>
+          <p:cNvPr id="3" name="文本占位符 2"/>
           <p:cNvSpPr>
             <a:spLocks noGrp="1"/>
           </p:cNvSpPr>
@@ -2846,6 +2461,7 @@
               <a:rPr lang="zh-CN" altLang="en-US"/>
               <a:t>编辑母版文本样式</a:t>
             </a:r>
+            <a:endParaRPr lang="zh-CN" altLang="en-US"/>
           </a:p>
           <a:p>
             <a:pPr lvl="1"/>
@@ -2853,6 +2469,7 @@
               <a:rPr lang="zh-CN" altLang="en-US"/>
               <a:t>第二级</a:t>
             </a:r>
+            <a:endParaRPr lang="zh-CN" altLang="en-US"/>
           </a:p>
           <a:p>
             <a:pPr lvl="2"/>
@@ -2860,6 +2477,7 @@
               <a:rPr lang="zh-CN" altLang="en-US"/>
               <a:t>第三级</a:t>
             </a:r>
+            <a:endParaRPr lang="zh-CN" altLang="en-US"/>
           </a:p>
           <a:p>
             <a:pPr lvl="3"/>
@@ -2867,6 +2485,7 @@
               <a:rPr lang="zh-CN" altLang="en-US"/>
               <a:t>第四级</a:t>
             </a:r>
+            <a:endParaRPr lang="zh-CN" altLang="en-US"/>
           </a:p>
           <a:p>
             <a:pPr lvl="4"/>
@@ -2874,18 +2493,13 @@
               <a:rPr lang="zh-CN" altLang="en-US"/>
               <a:t>第五级</a:t>
             </a:r>
-          </a:p>
-        </p:txBody>
-      </p:sp>
-      <p:sp>
-        <p:nvSpPr>
-          <p:cNvPr id="4" name="日期占位符 3">
-            <a:extLst>
-              <a:ext uri="{FF2B5EF4-FFF2-40B4-BE49-F238E27FC236}">
-                <a16:creationId xmlns:a16="http://schemas.microsoft.com/office/drawing/2014/main" id="{CC37B508-4EBF-46E0-9C68-C6135FEBC423}"/>
-              </a:ext>
-            </a:extLst>
-          </p:cNvPr>
+            <a:endParaRPr lang="zh-CN" altLang="en-US"/>
+          </a:p>
+        </p:txBody>
+      </p:sp>
+      <p:sp>
+        <p:nvSpPr>
+          <p:cNvPr id="4" name="日期占位符 3"/>
           <p:cNvSpPr>
             <a:spLocks noGrp="1"/>
           </p:cNvSpPr>
@@ -2918,7 +2532,6 @@
           <a:p>
             <a:fld id="{6ED5456A-8B7C-4593-A15F-49DCAC2C5263}" type="datetimeFigureOut">
               <a:rPr lang="zh-CN" altLang="en-US" smtClean="0"/>
-              <a:t>2018/9/7</a:t>
             </a:fld>
             <a:endParaRPr lang="zh-CN" altLang="en-US"/>
           </a:p>
@@ -2926,13 +2539,7 @@
       </p:sp>
       <p:sp>
         <p:nvSpPr>
-          <p:cNvPr id="5" name="页脚占位符 4">
-            <a:extLst>
-              <a:ext uri="{FF2B5EF4-FFF2-40B4-BE49-F238E27FC236}">
-                <a16:creationId xmlns:a16="http://schemas.microsoft.com/office/drawing/2014/main" id="{F3AEDBD0-E81E-4632-BEE4-A9851CBD2844}"/>
-              </a:ext>
-            </a:extLst>
-          </p:cNvPr>
+          <p:cNvPr id="5" name="页脚占位符 4"/>
           <p:cNvSpPr>
             <a:spLocks noGrp="1"/>
           </p:cNvSpPr>
@@ -2969,13 +2576,7 @@
       </p:sp>
       <p:sp>
         <p:nvSpPr>
-          <p:cNvPr id="6" name="灯片编号占位符 5">
-            <a:extLst>
-              <a:ext uri="{FF2B5EF4-FFF2-40B4-BE49-F238E27FC236}">
-                <a16:creationId xmlns:a16="http://schemas.microsoft.com/office/drawing/2014/main" id="{8F40EBA0-ABA3-4659-B1E5-69FD2FAFEE36}"/>
-              </a:ext>
-            </a:extLst>
-          </p:cNvPr>
+          <p:cNvPr id="6" name="灯片编号占位符 5"/>
           <p:cNvSpPr>
             <a:spLocks noGrp="1"/>
           </p:cNvSpPr>
@@ -3008,18 +2609,12 @@
           <a:p>
             <a:fld id="{0DA16BDB-B271-4261-99DC-832B85DA9FD5}" type="slidenum">
               <a:rPr lang="zh-CN" altLang="en-US" smtClean="0"/>
-              <a:t>‹#›</a:t>
             </a:fld>
             <a:endParaRPr lang="zh-CN" altLang="en-US"/>
           </a:p>
         </p:txBody>
       </p:sp>
     </p:spTree>
-    <p:extLst>
-      <p:ext uri="{BB962C8B-B14F-4D97-AF65-F5344CB8AC3E}">
-        <p14:creationId xmlns:p14="http://schemas.microsoft.com/office/powerpoint/2010/main" val="20689871"/>
-      </p:ext>
-    </p:extLst>
   </p:cSld>
   <p:clrMap bg1="lt1" tx1="dk1" bg2="lt2" tx2="dk2" accent1="accent1" accent2="accent2" accent3="accent3" accent4="accent4" accent5="accent5" accent6="accent6" hlink="hlink" folHlink="folHlink"/>
   <p:sldLayoutIdLst>
@@ -3337,13 +2932,7 @@
       </p:grpSpPr>
       <p:sp>
         <p:nvSpPr>
-          <p:cNvPr id="2" name="标题 1">
-            <a:extLst>
-              <a:ext uri="{FF2B5EF4-FFF2-40B4-BE49-F238E27FC236}">
-                <a16:creationId xmlns:a16="http://schemas.microsoft.com/office/drawing/2014/main" id="{4745E546-5790-4C73-B536-8DF0593831A7}"/>
-              </a:ext>
-            </a:extLst>
-          </p:cNvPr>
+          <p:cNvPr id="2" name="标题 1"/>
           <p:cNvSpPr>
             <a:spLocks noGrp="1"/>
           </p:cNvSpPr>
@@ -3364,30 +2953,61 @@
           <a:lstStyle/>
           <a:p>
             <a:r>
-              <a:rPr lang="en-US" altLang="zh-CN" dirty="0"/>
+              <a:rPr lang="en-US" altLang="zh-CN" b="1" dirty="0">
+                <a:ln/>
+                <a:solidFill>
+                  <a:schemeClr val="tx1"/>
+                </a:solidFill>
+                <a:effectLst>
+                  <a:outerShdw blurRad="38100" dist="19050" dir="2700000" algn="tl" rotWithShape="0">
+                    <a:schemeClr val="dk1">
+                      <a:alpha val="40000"/>
+                    </a:schemeClr>
+                  </a:outerShdw>
+                </a:effectLst>
+              </a:rPr>
               <a:t>Ros</a:t>
             </a:r>
             <a:r>
-              <a:rPr lang="zh-CN" altLang="en-US" dirty="0"/>
+              <a:rPr lang="zh-CN" altLang="en-US" b="1" dirty="0">
+                <a:ln/>
+                <a:solidFill>
+                  <a:schemeClr val="tx1"/>
+                </a:solidFill>
+                <a:effectLst>
+                  <a:outerShdw blurRad="38100" dist="19050" dir="2700000" algn="tl" rotWithShape="0">
+                    <a:schemeClr val="dk1">
+                      <a:alpha val="40000"/>
+                    </a:schemeClr>
+                  </a:outerShdw>
+                </a:effectLst>
+              </a:rPr>
               <a:t>导航包的框架介绍</a:t>
             </a:r>
+            <a:endParaRPr lang="zh-CN" altLang="en-US" b="1" dirty="0">
+              <a:ln/>
+              <a:solidFill>
+                <a:schemeClr val="tx1"/>
+              </a:solidFill>
+              <a:effectLst>
+                <a:outerShdw blurRad="38100" dist="19050" dir="2700000" algn="tl" rotWithShape="0">
+                  <a:schemeClr val="dk1">
+                    <a:alpha val="40000"/>
+                  </a:schemeClr>
+                </a:outerShdw>
+              </a:effectLst>
+            </a:endParaRPr>
           </a:p>
         </p:txBody>
       </p:sp>
       <p:pic>
         <p:nvPicPr>
-          <p:cNvPr id="4" name="图片 3">
-            <a:extLst>
-              <a:ext uri="{FF2B5EF4-FFF2-40B4-BE49-F238E27FC236}">
-                <a16:creationId xmlns:a16="http://schemas.microsoft.com/office/drawing/2014/main" id="{63AFA566-0DCC-497D-BEEC-13B47BBC3B9A}"/>
-              </a:ext>
-            </a:extLst>
-          </p:cNvPr>
+          <p:cNvPr id="4" name="图片 3"/>
           <p:cNvPicPr/>
           <p:nvPr/>
         </p:nvPicPr>
         <p:blipFill>
-          <a:blip r:embed="rId2" cstate="print">
+          <a:blip r:embed="rId1" cstate="print">
             <a:extLst>
               <a:ext uri="{28A0092B-C50C-407E-A947-70E740481C1C}">
                 <a14:useLocalDpi xmlns:a14="http://schemas.microsoft.com/office/drawing/2010/main" val="0"/>
@@ -3414,11 +3034,6 @@
         </p:spPr>
       </p:pic>
     </p:spTree>
-    <p:extLst>
-      <p:ext uri="{BB962C8B-B14F-4D97-AF65-F5344CB8AC3E}">
-        <p14:creationId xmlns:p14="http://schemas.microsoft.com/office/powerpoint/2010/main" val="720501448"/>
-      </p:ext>
-    </p:extLst>
   </p:cSld>
   <p:clrMapOvr>
     <a:masterClrMapping/>
@@ -3445,13 +3060,7 @@
       </p:grpSpPr>
       <p:sp>
         <p:nvSpPr>
-          <p:cNvPr id="2" name="标题 1">
-            <a:extLst>
-              <a:ext uri="{FF2B5EF4-FFF2-40B4-BE49-F238E27FC236}">
-                <a16:creationId xmlns:a16="http://schemas.microsoft.com/office/drawing/2014/main" id="{B98ADFCA-15C7-4816-BF66-344BEA46FDF5}"/>
-              </a:ext>
-            </a:extLst>
-          </p:cNvPr>
+          <p:cNvPr id="2" name="标题 1"/>
           <p:cNvSpPr>
             <a:spLocks noGrp="1"/>
           </p:cNvSpPr>
@@ -3466,26 +3075,20 @@
           <a:p>
             <a:pPr algn="ctr"/>
             <a:r>
-              <a:rPr lang="en-US" altLang="zh-CN" dirty="0"/>
+              <a:rPr lang="en-US" altLang="zh-CN" sz="4000" b="1" dirty="0"/>
               <a:t>Local </a:t>
             </a:r>
             <a:r>
-              <a:rPr lang="en-US" altLang="zh-CN" dirty="0" err="1"/>
+              <a:rPr lang="en-US" altLang="zh-CN" sz="4000" b="1" dirty="0" err="1"/>
               <a:t>costmap</a:t>
             </a:r>
-            <a:endParaRPr lang="zh-CN" altLang="en-US" dirty="0"/>
-          </a:p>
-        </p:txBody>
-      </p:sp>
-      <p:sp>
-        <p:nvSpPr>
-          <p:cNvPr id="3" name="内容占位符 2">
-            <a:extLst>
-              <a:ext uri="{FF2B5EF4-FFF2-40B4-BE49-F238E27FC236}">
-                <a16:creationId xmlns:a16="http://schemas.microsoft.com/office/drawing/2014/main" id="{50A43F0C-2914-4F0F-B3A8-9215E16184E3}"/>
-              </a:ext>
-            </a:extLst>
-          </p:cNvPr>
+            <a:endParaRPr lang="zh-CN" altLang="en-US" sz="4000" b="1" dirty="0"/>
+          </a:p>
+        </p:txBody>
+      </p:sp>
+      <p:sp>
+        <p:nvSpPr>
+          <p:cNvPr id="3" name="内容占位符 2"/>
           <p:cNvSpPr>
             <a:spLocks noGrp="1"/>
           </p:cNvSpPr>
@@ -3502,15 +3105,11 @@
               <a:rPr lang="zh-CN" altLang="en-US" dirty="0"/>
               <a:t>局部代价地图，结合和全局地图和传感器数据</a:t>
             </a:r>
+            <a:endParaRPr lang="zh-CN" altLang="en-US" dirty="0"/>
           </a:p>
         </p:txBody>
       </p:sp>
     </p:spTree>
-    <p:extLst>
-      <p:ext uri="{BB962C8B-B14F-4D97-AF65-F5344CB8AC3E}">
-        <p14:creationId xmlns:p14="http://schemas.microsoft.com/office/powerpoint/2010/main" val="1543479768"/>
-      </p:ext>
-    </p:extLst>
   </p:cSld>
   <p:clrMapOvr>
     <a:masterClrMapping/>
@@ -3537,13 +3136,7 @@
       </p:grpSpPr>
       <p:sp>
         <p:nvSpPr>
-          <p:cNvPr id="2" name="标题 1">
-            <a:extLst>
-              <a:ext uri="{FF2B5EF4-FFF2-40B4-BE49-F238E27FC236}">
-                <a16:creationId xmlns:a16="http://schemas.microsoft.com/office/drawing/2014/main" id="{07505BB3-5D2D-4380-AB94-B2D1598F2545}"/>
-              </a:ext>
-            </a:extLst>
-          </p:cNvPr>
+          <p:cNvPr id="2" name="标题 1"/>
           <p:cNvSpPr>
             <a:spLocks noGrp="1"/>
           </p:cNvSpPr>
@@ -3565,22 +3158,16 @@
           <a:p>
             <a:pPr algn="ctr"/>
             <a:r>
-              <a:rPr lang="en-US" altLang="zh-CN" dirty="0" err="1"/>
+              <a:rPr lang="en-US" altLang="zh-CN" b="1" dirty="0" err="1"/>
               <a:t>Map_server</a:t>
             </a:r>
-            <a:endParaRPr lang="zh-CN" altLang="en-US" dirty="0"/>
-          </a:p>
-        </p:txBody>
-      </p:sp>
-      <p:sp>
-        <p:nvSpPr>
-          <p:cNvPr id="3" name="内容占位符 2">
-            <a:extLst>
-              <a:ext uri="{FF2B5EF4-FFF2-40B4-BE49-F238E27FC236}">
-                <a16:creationId xmlns:a16="http://schemas.microsoft.com/office/drawing/2014/main" id="{88339B99-D27E-46B3-8553-F2E142E86EF1}"/>
-              </a:ext>
-            </a:extLst>
-          </p:cNvPr>
+            <a:endParaRPr lang="zh-CN" altLang="en-US" b="1" dirty="0"/>
+          </a:p>
+        </p:txBody>
+      </p:sp>
+      <p:sp>
+        <p:nvSpPr>
+          <p:cNvPr id="3" name="内容占位符 2"/>
           <p:cNvSpPr>
             <a:spLocks noGrp="1"/>
           </p:cNvSpPr>
@@ -3646,6 +3233,7 @@
               <a:rPr lang="zh-CN" altLang="zh-CN" dirty="0"/>
               <a:t>地图文件</a:t>
             </a:r>
+            <a:endParaRPr lang="zh-CN" altLang="zh-CN" dirty="0"/>
           </a:p>
           <a:p>
             <a:r>
@@ -3679,6 +3267,7 @@
               <a:rPr lang="zh-CN" altLang="zh-CN" dirty="0"/>
               <a:t>原点位置</a:t>
             </a:r>
+            <a:endParaRPr lang="zh-CN" altLang="zh-CN" dirty="0"/>
           </a:p>
           <a:p>
             <a:r>
@@ -3693,6 +3282,7 @@
               <a:rPr lang="zh-CN" altLang="zh-CN" dirty="0"/>
               <a:t>占用状态的门限值</a:t>
             </a:r>
+            <a:endParaRPr lang="zh-CN" altLang="zh-CN" dirty="0"/>
           </a:p>
           <a:p>
             <a:r>
@@ -3707,6 +3297,7 @@
               <a:rPr lang="zh-CN" altLang="zh-CN" dirty="0"/>
               <a:t>空白状态的门限值</a:t>
             </a:r>
+            <a:endParaRPr lang="zh-CN" altLang="zh-CN" dirty="0"/>
           </a:p>
           <a:p>
             <a:r>
@@ -3840,11 +3431,6 @@
         </p:txBody>
       </p:sp>
     </p:spTree>
-    <p:extLst>
-      <p:ext uri="{BB962C8B-B14F-4D97-AF65-F5344CB8AC3E}">
-        <p14:creationId xmlns:p14="http://schemas.microsoft.com/office/powerpoint/2010/main" val="884768577"/>
-      </p:ext>
-    </p:extLst>
   </p:cSld>
   <p:clrMapOvr>
     <a:masterClrMapping/>
@@ -3871,13 +3457,7 @@
       </p:grpSpPr>
       <p:sp>
         <p:nvSpPr>
-          <p:cNvPr id="2" name="标题 1">
-            <a:extLst>
-              <a:ext uri="{FF2B5EF4-FFF2-40B4-BE49-F238E27FC236}">
-                <a16:creationId xmlns:a16="http://schemas.microsoft.com/office/drawing/2014/main" id="{D31FB5AD-B9A3-48E6-ACCC-8D73C8D20FCD}"/>
-              </a:ext>
-            </a:extLst>
-          </p:cNvPr>
+          <p:cNvPr id="2" name="标题 1"/>
           <p:cNvSpPr>
             <a:spLocks noGrp="1"/>
           </p:cNvSpPr>
@@ -3897,22 +3477,16 @@
           <a:p>
             <a:pPr algn="ctr"/>
             <a:r>
-              <a:rPr lang="en-US" altLang="zh-CN" dirty="0"/>
+              <a:rPr lang="en-US" altLang="zh-CN" sz="4000" b="1" dirty="0"/>
               <a:t>Sensor source</a:t>
             </a:r>
-            <a:endParaRPr lang="zh-CN" altLang="en-US" dirty="0"/>
-          </a:p>
-        </p:txBody>
-      </p:sp>
-      <p:sp>
-        <p:nvSpPr>
-          <p:cNvPr id="3" name="内容占位符 2">
-            <a:extLst>
-              <a:ext uri="{FF2B5EF4-FFF2-40B4-BE49-F238E27FC236}">
-                <a16:creationId xmlns:a16="http://schemas.microsoft.com/office/drawing/2014/main" id="{D4C92A72-BDD5-4A08-8137-9D77E7AB1119}"/>
-              </a:ext>
-            </a:extLst>
-          </p:cNvPr>
+            <a:endParaRPr lang="zh-CN" altLang="en-US" sz="4000" b="1" dirty="0"/>
+          </a:p>
+        </p:txBody>
+      </p:sp>
+      <p:sp>
+        <p:nvSpPr>
+          <p:cNvPr id="3" name="内容占位符 2"/>
           <p:cNvSpPr>
             <a:spLocks noGrp="1"/>
           </p:cNvSpPr>
@@ -3940,6 +3514,7 @@
               <a:rPr lang="en-US" altLang="zh-CN" dirty="0"/>
               <a:t>.</a:t>
             </a:r>
+            <a:endParaRPr lang="en-US" altLang="zh-CN" dirty="0"/>
           </a:p>
           <a:p>
             <a:r>
@@ -4128,6 +3703,7 @@
               <a:rPr lang="zh-CN" altLang="zh-CN" dirty="0"/>
               <a:t>信息。</a:t>
             </a:r>
+            <a:endParaRPr lang="zh-CN" altLang="zh-CN" dirty="0"/>
           </a:p>
           <a:p>
             <a:pPr latinLnBrk="1"/>
@@ -4251,6 +3827,7 @@
               <a:rPr lang="zh-CN" altLang="zh-CN" dirty="0"/>
               <a:t>透明度）</a:t>
             </a:r>
+            <a:endParaRPr lang="zh-CN" altLang="zh-CN" dirty="0"/>
           </a:p>
           <a:p>
             <a:pPr latinLnBrk="1"/>
@@ -4306,6 +3883,7 @@
               <a:rPr lang="zh-CN" altLang="zh-CN" dirty="0"/>
               <a:t>和曲率的测量。</a:t>
             </a:r>
+            <a:endParaRPr lang="zh-CN" altLang="zh-CN" dirty="0"/>
           </a:p>
           <a:p>
             <a:pPr latinLnBrk="1"/>
@@ -4361,6 +3939,7 @@
               <a:rPr lang="zh-CN" altLang="zh-CN" dirty="0"/>
               <a:t>就像名字所说的一样，前者包含颜色，后者包含密集度。</a:t>
             </a:r>
+            <a:endParaRPr lang="zh-CN" altLang="zh-CN" dirty="0"/>
           </a:p>
           <a:p>
             <a:endParaRPr lang="zh-CN" altLang="en-US" dirty="0"/>
@@ -4368,11 +3947,6 @@
         </p:txBody>
       </p:sp>
     </p:spTree>
-    <p:extLst>
-      <p:ext uri="{BB962C8B-B14F-4D97-AF65-F5344CB8AC3E}">
-        <p14:creationId xmlns:p14="http://schemas.microsoft.com/office/powerpoint/2010/main" val="1405019553"/>
-      </p:ext>
-    </p:extLst>
   </p:cSld>
   <p:clrMapOvr>
     <a:masterClrMapping/>
@@ -4399,13 +3973,7 @@
       </p:grpSpPr>
       <p:sp>
         <p:nvSpPr>
-          <p:cNvPr id="2" name="标题 1">
-            <a:extLst>
-              <a:ext uri="{FF2B5EF4-FFF2-40B4-BE49-F238E27FC236}">
-                <a16:creationId xmlns:a16="http://schemas.microsoft.com/office/drawing/2014/main" id="{9C983F4D-E591-4E95-9B33-62B0BD558642}"/>
-              </a:ext>
-            </a:extLst>
-          </p:cNvPr>
+          <p:cNvPr id="2" name="标题 1"/>
           <p:cNvSpPr>
             <a:spLocks noGrp="1"/>
           </p:cNvSpPr>
@@ -4425,26 +3993,20 @@
           <a:p>
             <a:pPr algn="ctr"/>
             <a:r>
-              <a:rPr lang="en-US" altLang="zh-CN" dirty="0"/>
+              <a:rPr lang="en-US" altLang="zh-CN" sz="4000" b="1" dirty="0"/>
               <a:t>Sensor </a:t>
             </a:r>
             <a:r>
-              <a:rPr lang="en-US" altLang="zh-CN" dirty="0" err="1"/>
+              <a:rPr lang="en-US" altLang="zh-CN" sz="4000" b="1" dirty="0" err="1"/>
               <a:t>tf</a:t>
             </a:r>
-            <a:endParaRPr lang="zh-CN" altLang="en-US" dirty="0"/>
-          </a:p>
-        </p:txBody>
-      </p:sp>
-      <p:sp>
-        <p:nvSpPr>
-          <p:cNvPr id="3" name="内容占位符 2">
-            <a:extLst>
-              <a:ext uri="{FF2B5EF4-FFF2-40B4-BE49-F238E27FC236}">
-                <a16:creationId xmlns:a16="http://schemas.microsoft.com/office/drawing/2014/main" id="{802C3313-9970-415A-A687-42FD78BFD523}"/>
-              </a:ext>
-            </a:extLst>
-          </p:cNvPr>
+            <a:endParaRPr lang="zh-CN" altLang="en-US" sz="4000" b="1" dirty="0"/>
+          </a:p>
+        </p:txBody>
+      </p:sp>
+      <p:sp>
+        <p:nvSpPr>
+          <p:cNvPr id="3" name="内容占位符 2"/>
           <p:cNvSpPr>
             <a:spLocks noGrp="1"/>
           </p:cNvSpPr>
@@ -4466,6 +4028,7 @@
               <a:rPr lang="zh-CN" altLang="zh-CN" dirty="0"/>
               <a:t>传感器的坐标系变换。</a:t>
             </a:r>
+            <a:endParaRPr lang="zh-CN" altLang="zh-CN" dirty="0"/>
           </a:p>
           <a:p>
             <a:r>
@@ -4476,12 +4039,14 @@
               <a:rPr lang="zh-CN" altLang="zh-CN" dirty="0"/>
               <a:t>每个物理零件都有自己的坐标系，而这些坐标系最终需要统一被转换成世界坐标的坐标系，因此需要定义一个转换方式。</a:t>
             </a:r>
+            <a:endParaRPr lang="zh-CN" altLang="zh-CN" dirty="0"/>
           </a:p>
           <a:p>
             <a:r>
               <a:rPr lang="zh-CN" altLang="zh-CN" dirty="0"/>
               <a:t>发布静态坐标变换：</a:t>
             </a:r>
+            <a:endParaRPr lang="zh-CN" altLang="zh-CN" dirty="0"/>
           </a:p>
           <a:p>
             <a:r>
@@ -4543,11 +4108,6 @@
         </p:txBody>
       </p:sp>
     </p:spTree>
-    <p:extLst>
-      <p:ext uri="{BB962C8B-B14F-4D97-AF65-F5344CB8AC3E}">
-        <p14:creationId xmlns:p14="http://schemas.microsoft.com/office/powerpoint/2010/main" val="1116781200"/>
-      </p:ext>
-    </p:extLst>
   </p:cSld>
   <p:clrMapOvr>
     <a:masterClrMapping/>
@@ -4574,13 +4134,7 @@
       </p:grpSpPr>
       <p:sp>
         <p:nvSpPr>
-          <p:cNvPr id="2" name="标题 1">
-            <a:extLst>
-              <a:ext uri="{FF2B5EF4-FFF2-40B4-BE49-F238E27FC236}">
-                <a16:creationId xmlns:a16="http://schemas.microsoft.com/office/drawing/2014/main" id="{5B6AF0AA-2A73-46D3-92FC-817CB7591FF3}"/>
-              </a:ext>
-            </a:extLst>
-          </p:cNvPr>
+          <p:cNvPr id="2" name="标题 1"/>
           <p:cNvSpPr>
             <a:spLocks noGrp="1"/>
           </p:cNvSpPr>
@@ -4590,76 +4144,71 @@
         </p:nvSpPr>
         <p:spPr>
           <a:xfrm>
-            <a:off x="838200" y="365126"/>
-            <a:ext cx="10515600" cy="952398"/>
+            <a:off x="838200" y="365125"/>
+            <a:ext cx="10515600" cy="1113790"/>
           </a:xfrm>
         </p:spPr>
         <p:txBody>
           <a:bodyPr>
-            <a:normAutofit fontScale="90000"/>
+            <a:normAutofit/>
           </a:bodyPr>
           <a:lstStyle/>
           <a:p>
-            <a:r>
-              <a:rPr lang="en-US" altLang="zh-CN" dirty="0" err="1"/>
+            <a:pPr algn="ctr"/>
+            <a:r>
+              <a:rPr lang="en-US" altLang="zh-CN" b="1" dirty="0" err="1"/>
               <a:t>Amcl</a:t>
             </a:r>
             <a:r>
-              <a:rPr lang="en-US" altLang="zh-CN" dirty="0"/>
-              <a:t> : </a:t>
-            </a:r>
-            <a:r>
-              <a:rPr lang="en-US" altLang="zh-CN" u="sng" dirty="0" err="1">
-                <a:hlinkClick r:id="rId2" tooltip="ROS 主动&lt;em&gt;蒙特卡罗&lt;/em&gt;粒子滤波&lt;em&gt;定位&lt;/em&gt;算法 AMCL 解析-- map与odom坐标转换的方法"/>
+              <a:rPr lang="en-US" altLang="zh-CN" b="1" dirty="0"/>
+              <a:t> </a:t>
+            </a:r>
+            <a:br>
+              <a:rPr lang="en-US" altLang="zh-CN" b="1" dirty="0"/>
+            </a:br>
+            <a:r>
+              <a:rPr lang="en-US" altLang="zh-CN" sz="1600" u="sng" dirty="0" err="1">
+                <a:hlinkClick r:id="rId1" tooltip="ROS 主动&lt;em&gt;蒙特卡罗&lt;/em&gt;粒子滤波&lt;em&gt;定位&lt;/em&gt;算法 AMCL 解析-- map与odom坐标转换的方法"/>
               </a:rPr>
               <a:t>主动</a:t>
             </a:r>
             <a:r>
-              <a:rPr lang="en-US" altLang="zh-CN" dirty="0" err="1">
-                <a:hlinkClick r:id="rId2" tooltip="ROS 主动&lt;em&gt;蒙特卡罗&lt;/em&gt;粒子滤波&lt;em&gt;定位&lt;/em&gt;算法 AMCL 解析-- map与odom坐标转换的方法"/>
+              <a:rPr lang="en-US" altLang="zh-CN" sz="1600" dirty="0" err="1">
+                <a:hlinkClick r:id="rId1" tooltip="ROS 主动&lt;em&gt;蒙特卡罗&lt;/em&gt;粒子滤波&lt;em&gt;定位&lt;/em&gt;算法 AMCL 解析-- map与odom坐标转换的方法"/>
               </a:rPr>
               <a:t>蒙特卡罗</a:t>
             </a:r>
             <a:r>
-              <a:rPr lang="en-US" altLang="zh-CN" u="sng" dirty="0" err="1">
-                <a:hlinkClick r:id="rId2" tooltip="ROS 主动&lt;em&gt;蒙特卡罗&lt;/em&gt;粒子滤波&lt;em&gt;定位&lt;/em&gt;算法 AMCL 解析-- map与odom坐标转换的方法"/>
+              <a:rPr lang="en-US" altLang="zh-CN" sz="1600" u="sng" dirty="0" err="1">
+                <a:hlinkClick r:id="rId1" tooltip="ROS 主动&lt;em&gt;蒙特卡罗&lt;/em&gt;粒子滤波&lt;em&gt;定位&lt;/em&gt;算法 AMCL 解析-- map与odom坐标转换的方法"/>
               </a:rPr>
               <a:t>粒子滤波</a:t>
             </a:r>
             <a:r>
-              <a:rPr lang="en-US" altLang="zh-CN" dirty="0" err="1">
-                <a:hlinkClick r:id="rId2" tooltip="ROS 主动&lt;em&gt;蒙特卡罗&lt;/em&gt;粒子滤波&lt;em&gt;定位&lt;/em&gt;算法 AMCL 解析-- map与odom坐标转换的方法"/>
+              <a:rPr lang="en-US" altLang="zh-CN" sz="1600" dirty="0" err="1">
+                <a:hlinkClick r:id="rId1" tooltip="ROS 主动&lt;em&gt;蒙特卡罗&lt;/em&gt;粒子滤波&lt;em&gt;定位&lt;/em&gt;算法 AMCL 解析-- map与odom坐标转换的方法"/>
               </a:rPr>
               <a:t>定位</a:t>
             </a:r>
             <a:r>
-              <a:rPr lang="en-US" altLang="zh-CN" u="sng" dirty="0" err="1">
-                <a:hlinkClick r:id="rId2" tooltip="ROS 主动&lt;em&gt;蒙特卡罗&lt;/em&gt;粒子滤波&lt;em&gt;定位&lt;/em&gt;算法 AMCL 解析-- map与odom坐标转换的方法"/>
+              <a:rPr lang="en-US" altLang="zh-CN" sz="1600" u="sng" dirty="0" err="1">
+                <a:hlinkClick r:id="rId1" tooltip="ROS 主动&lt;em&gt;蒙特卡罗&lt;/em&gt;粒子滤波&lt;em&gt;定位&lt;/em&gt;算法 AMCL 解析-- map与odom坐标转换的方法"/>
               </a:rPr>
               <a:t>算法</a:t>
             </a:r>
             <a:r>
-              <a:rPr lang="en-US" altLang="zh-CN" u="sng" dirty="0">
-                <a:hlinkClick r:id="rId2" tooltip="ROS 主动&lt;em&gt;蒙特卡罗&lt;/em&gt;粒子滤波&lt;em&gt;定位&lt;/em&gt;算法 AMCL 解析-- map与odom坐标转换的方法"/>
+              <a:rPr lang="en-US" altLang="zh-CN" sz="1600" u="sng" dirty="0">
+                <a:hlinkClick r:id="rId1" tooltip="ROS 主动&lt;em&gt;蒙特卡罗&lt;/em&gt;粒子滤波&lt;em&gt;定位&lt;/em&gt;算法 AMCL 解析-- map与odom坐标转换的方法"/>
               </a:rPr>
               <a:t> </a:t>
             </a:r>
-            <a:br>
-              <a:rPr lang="zh-CN" altLang="zh-CN" dirty="0"/>
-            </a:br>
-            <a:endParaRPr lang="zh-CN" altLang="en-US" dirty="0"/>
-          </a:p>
-        </p:txBody>
-      </p:sp>
-      <p:sp>
-        <p:nvSpPr>
-          <p:cNvPr id="3" name="内容占位符 2">
-            <a:extLst>
-              <a:ext uri="{FF2B5EF4-FFF2-40B4-BE49-F238E27FC236}">
-                <a16:creationId xmlns:a16="http://schemas.microsoft.com/office/drawing/2014/main" id="{0F0F7F44-A37C-4D3B-913E-A6615C98F28A}"/>
-              </a:ext>
-            </a:extLst>
-          </p:cNvPr>
+            <a:endParaRPr lang="zh-CN" altLang="en-US" sz="1600" dirty="0"/>
+          </a:p>
+        </p:txBody>
+      </p:sp>
+      <p:sp>
+        <p:nvSpPr>
+          <p:cNvPr id="3" name="内容占位符 2"/>
           <p:cNvSpPr>
             <a:spLocks noGrp="1"/>
           </p:cNvSpPr>
@@ -4669,8 +4218,8 @@
         </p:nvSpPr>
         <p:spPr>
           <a:xfrm>
-            <a:off x="838200" y="1317524"/>
-            <a:ext cx="10515600" cy="4859439"/>
+            <a:off x="838200" y="2299970"/>
+            <a:ext cx="10515600" cy="3877310"/>
           </a:xfrm>
         </p:spPr>
         <p:txBody>
@@ -4686,11 +4235,6 @@
         </p:txBody>
       </p:sp>
     </p:spTree>
-    <p:extLst>
-      <p:ext uri="{BB962C8B-B14F-4D97-AF65-F5344CB8AC3E}">
-        <p14:creationId xmlns:p14="http://schemas.microsoft.com/office/powerpoint/2010/main" val="1662557332"/>
-      </p:ext>
-    </p:extLst>
   </p:cSld>
   <p:clrMapOvr>
     <a:masterClrMapping/>
@@ -4717,13 +4261,7 @@
       </p:grpSpPr>
       <p:sp>
         <p:nvSpPr>
-          <p:cNvPr id="2" name="标题 1">
-            <a:extLst>
-              <a:ext uri="{FF2B5EF4-FFF2-40B4-BE49-F238E27FC236}">
-                <a16:creationId xmlns:a16="http://schemas.microsoft.com/office/drawing/2014/main" id="{39BD462D-D098-4891-A4CF-8F7C0A704B3A}"/>
-              </a:ext>
-            </a:extLst>
-          </p:cNvPr>
+          <p:cNvPr id="2" name="标题 1"/>
           <p:cNvSpPr>
             <a:spLocks noGrp="1"/>
           </p:cNvSpPr>
@@ -4743,22 +4281,16 @@
           <a:p>
             <a:pPr algn="ctr"/>
             <a:r>
-              <a:rPr lang="en-US" altLang="zh-CN" dirty="0"/>
+              <a:rPr lang="en-US" altLang="zh-CN" sz="4000" b="1" dirty="0"/>
               <a:t>Odometry source</a:t>
             </a:r>
-            <a:endParaRPr lang="zh-CN" altLang="en-US" dirty="0"/>
-          </a:p>
-        </p:txBody>
-      </p:sp>
-      <p:sp>
-        <p:nvSpPr>
-          <p:cNvPr id="3" name="内容占位符 2">
-            <a:extLst>
-              <a:ext uri="{FF2B5EF4-FFF2-40B4-BE49-F238E27FC236}">
-                <a16:creationId xmlns:a16="http://schemas.microsoft.com/office/drawing/2014/main" id="{948E73DB-458A-40AC-98F4-39F6B815DB59}"/>
-              </a:ext>
-            </a:extLst>
-          </p:cNvPr>
+            <a:endParaRPr lang="zh-CN" altLang="en-US" sz="4000" b="1" dirty="0"/>
+          </a:p>
+        </p:txBody>
+      </p:sp>
+      <p:sp>
+        <p:nvSpPr>
+          <p:cNvPr id="3" name="内容占位符 2"/>
           <p:cNvSpPr>
             <a:spLocks noGrp="1"/>
           </p:cNvSpPr>
@@ -4793,6 +4325,7 @@
               <a:rPr lang="zh-CN" altLang="zh-CN" dirty="0"/>
               <a:t>几种方式：</a:t>
             </a:r>
+            <a:endParaRPr lang="zh-CN" altLang="zh-CN" dirty="0"/>
           </a:p>
           <a:p>
             <a:r>
@@ -4807,6 +4340,7 @@
               <a:rPr lang="zh-CN" altLang="zh-CN" dirty="0"/>
               <a:t>，转速计）</a:t>
             </a:r>
+            <a:endParaRPr lang="zh-CN" altLang="zh-CN" dirty="0"/>
           </a:p>
           <a:p>
             <a:r>
@@ -4847,6 +4381,7 @@
               <a:rPr lang="zh-CN" altLang="zh-CN" dirty="0"/>
               <a:t>里程计数据发布的例子：</a:t>
             </a:r>
+            <a:endParaRPr lang="zh-CN" altLang="zh-CN" dirty="0"/>
           </a:p>
           <a:p>
             <a:r>
@@ -5073,11 +4608,6 @@
         </p:txBody>
       </p:sp>
     </p:spTree>
-    <p:extLst>
-      <p:ext uri="{BB962C8B-B14F-4D97-AF65-F5344CB8AC3E}">
-        <p14:creationId xmlns:p14="http://schemas.microsoft.com/office/powerpoint/2010/main" val="2298994633"/>
-      </p:ext>
-    </p:extLst>
   </p:cSld>
   <p:clrMapOvr>
     <a:masterClrMapping/>
@@ -5104,13 +4634,7 @@
       </p:grpSpPr>
       <p:sp>
         <p:nvSpPr>
-          <p:cNvPr id="2" name="标题 1">
-            <a:extLst>
-              <a:ext uri="{FF2B5EF4-FFF2-40B4-BE49-F238E27FC236}">
-                <a16:creationId xmlns:a16="http://schemas.microsoft.com/office/drawing/2014/main" id="{1FE4638C-C8DB-4488-9D6E-3B669F05B179}"/>
-              </a:ext>
-            </a:extLst>
-          </p:cNvPr>
+          <p:cNvPr id="2" name="标题 1"/>
           <p:cNvSpPr>
             <a:spLocks noGrp="1"/>
           </p:cNvSpPr>
@@ -5125,54 +4649,44 @@
           <a:p>
             <a:pPr algn="ctr"/>
             <a:r>
-              <a:rPr lang="en-US" altLang="zh-CN" dirty="0"/>
+              <a:rPr lang="en-US" altLang="zh-CN" sz="4000" dirty="0"/>
               <a:t>Global planner</a:t>
             </a:r>
+            <a:endParaRPr lang="zh-CN" altLang="en-US" sz="4000" dirty="0"/>
+          </a:p>
+        </p:txBody>
+      </p:sp>
+      <p:sp>
+        <p:nvSpPr>
+          <p:cNvPr id="3" name="内容占位符 2"/>
+          <p:cNvSpPr>
+            <a:spLocks noGrp="1"/>
+          </p:cNvSpPr>
+          <p:nvPr>
+            <p:ph idx="1"/>
+          </p:nvPr>
+        </p:nvSpPr>
+        <p:spPr/>
+        <p:txBody>
+          <a:bodyPr/>
+          <a:lstStyle/>
+          <a:p>
+            <a:r>
+              <a:rPr lang="en-US" altLang="zh-CN" dirty="0"/>
+              <a:t>A*</a:t>
+            </a:r>
+            <a:r>
+              <a:rPr lang="zh-CN" altLang="zh-CN" dirty="0"/>
+              <a:t>算法。</a:t>
+            </a:r>
+            <a:endParaRPr lang="zh-CN" altLang="zh-CN" dirty="0"/>
+          </a:p>
+          <a:p>
             <a:endParaRPr lang="zh-CN" altLang="en-US" dirty="0"/>
           </a:p>
         </p:txBody>
       </p:sp>
-      <p:sp>
-        <p:nvSpPr>
-          <p:cNvPr id="3" name="内容占位符 2">
-            <a:extLst>
-              <a:ext uri="{FF2B5EF4-FFF2-40B4-BE49-F238E27FC236}">
-                <a16:creationId xmlns:a16="http://schemas.microsoft.com/office/drawing/2014/main" id="{AE0E9BA0-44C5-4F56-AE9A-513590A650AD}"/>
-              </a:ext>
-            </a:extLst>
-          </p:cNvPr>
-          <p:cNvSpPr>
-            <a:spLocks noGrp="1"/>
-          </p:cNvSpPr>
-          <p:nvPr>
-            <p:ph idx="1"/>
-          </p:nvPr>
-        </p:nvSpPr>
-        <p:spPr/>
-        <p:txBody>
-          <a:bodyPr/>
-          <a:lstStyle/>
-          <a:p>
-            <a:r>
-              <a:rPr lang="en-US" altLang="zh-CN" dirty="0"/>
-              <a:t>A*</a:t>
-            </a:r>
-            <a:r>
-              <a:rPr lang="zh-CN" altLang="zh-CN" dirty="0"/>
-              <a:t>算法。</a:t>
-            </a:r>
-          </a:p>
-          <a:p>
-            <a:endParaRPr lang="zh-CN" altLang="en-US" dirty="0"/>
-          </a:p>
-        </p:txBody>
-      </p:sp>
     </p:spTree>
-    <p:extLst>
-      <p:ext uri="{BB962C8B-B14F-4D97-AF65-F5344CB8AC3E}">
-        <p14:creationId xmlns:p14="http://schemas.microsoft.com/office/powerpoint/2010/main" val="1402565644"/>
-      </p:ext>
-    </p:extLst>
   </p:cSld>
   <p:clrMapOvr>
     <a:masterClrMapping/>
@@ -5199,13 +4713,7 @@
       </p:grpSpPr>
       <p:sp>
         <p:nvSpPr>
-          <p:cNvPr id="2" name="标题 1">
-            <a:extLst>
-              <a:ext uri="{FF2B5EF4-FFF2-40B4-BE49-F238E27FC236}">
-                <a16:creationId xmlns:a16="http://schemas.microsoft.com/office/drawing/2014/main" id="{00ACABB9-A840-4EEB-8C95-9B83576FECE1}"/>
-              </a:ext>
-            </a:extLst>
-          </p:cNvPr>
+          <p:cNvPr id="2" name="标题 1"/>
           <p:cNvSpPr>
             <a:spLocks noGrp="1"/>
           </p:cNvSpPr>
@@ -5220,22 +4728,16 @@
           <a:p>
             <a:pPr algn="ctr"/>
             <a:r>
-              <a:rPr lang="en-US" altLang="zh-CN" dirty="0"/>
+              <a:rPr lang="en-US" altLang="zh-CN" sz="4000" b="1" dirty="0"/>
               <a:t>Local planner</a:t>
             </a:r>
-            <a:endParaRPr lang="zh-CN" altLang="en-US" dirty="0"/>
-          </a:p>
-        </p:txBody>
-      </p:sp>
-      <p:sp>
-        <p:nvSpPr>
-          <p:cNvPr id="3" name="内容占位符 2">
-            <a:extLst>
-              <a:ext uri="{FF2B5EF4-FFF2-40B4-BE49-F238E27FC236}">
-                <a16:creationId xmlns:a16="http://schemas.microsoft.com/office/drawing/2014/main" id="{F2549E9A-B8B6-4674-918D-A26481449C43}"/>
-              </a:ext>
-            </a:extLst>
-          </p:cNvPr>
+            <a:endParaRPr lang="zh-CN" altLang="en-US" sz="4000" b="1" dirty="0"/>
+          </a:p>
+        </p:txBody>
+      </p:sp>
+      <p:sp>
+        <p:nvSpPr>
+          <p:cNvPr id="3" name="内容占位符 2"/>
           <p:cNvSpPr>
             <a:spLocks noGrp="1"/>
           </p:cNvSpPr>
@@ -5278,6 +4780,7 @@
               <a:rPr lang="zh-CN" altLang="zh-CN" dirty="0"/>
               <a:t>障碍物：</a:t>
             </a:r>
+            <a:endParaRPr lang="zh-CN" altLang="zh-CN" dirty="0"/>
           </a:p>
           <a:p>
             <a:r>
@@ -5291,6 +4794,7 @@
               <a:rPr lang="zh-CN" altLang="zh-CN" dirty="0"/>
               <a:t>与全局路径的相似度</a:t>
             </a:r>
+            <a:endParaRPr lang="zh-CN" altLang="zh-CN" dirty="0"/>
           </a:p>
           <a:p>
             <a:r>
@@ -5304,6 +4808,7 @@
               <a:rPr lang="zh-CN" altLang="zh-CN" dirty="0"/>
               <a:t>震荡：</a:t>
             </a:r>
+            <a:endParaRPr lang="zh-CN" altLang="zh-CN" dirty="0"/>
           </a:p>
           <a:p>
             <a:r>
@@ -5317,6 +4822,7 @@
               <a:rPr lang="zh-CN" altLang="zh-CN" dirty="0"/>
               <a:t>正向运动优先：</a:t>
             </a:r>
+            <a:endParaRPr lang="zh-CN" altLang="zh-CN" dirty="0"/>
           </a:p>
           <a:p>
             <a:r>
@@ -5331,11 +4837,6 @@
         </p:txBody>
       </p:sp>
     </p:spTree>
-    <p:extLst>
-      <p:ext uri="{BB962C8B-B14F-4D97-AF65-F5344CB8AC3E}">
-        <p14:creationId xmlns:p14="http://schemas.microsoft.com/office/powerpoint/2010/main" val="666622049"/>
-      </p:ext>
-    </p:extLst>
   </p:cSld>
   <p:clrMapOvr>
     <a:masterClrMapping/>
@@ -5362,13 +4863,7 @@
       </p:grpSpPr>
       <p:sp>
         <p:nvSpPr>
-          <p:cNvPr id="2" name="标题 1">
-            <a:extLst>
-              <a:ext uri="{FF2B5EF4-FFF2-40B4-BE49-F238E27FC236}">
-                <a16:creationId xmlns:a16="http://schemas.microsoft.com/office/drawing/2014/main" id="{6EFB3B21-4639-4882-B6F5-53CEDB9D90F3}"/>
-              </a:ext>
-            </a:extLst>
-          </p:cNvPr>
+          <p:cNvPr id="2" name="标题 1"/>
           <p:cNvSpPr>
             <a:spLocks noGrp="1"/>
           </p:cNvSpPr>
@@ -5383,26 +4878,20 @@
           <a:p>
             <a:pPr algn="ctr"/>
             <a:r>
-              <a:rPr lang="en-US" altLang="zh-CN" dirty="0"/>
+              <a:rPr lang="en-US" altLang="zh-CN" sz="4000" b="1" dirty="0"/>
               <a:t>Global </a:t>
             </a:r>
             <a:r>
-              <a:rPr lang="en-US" altLang="zh-CN" dirty="0" err="1"/>
+              <a:rPr lang="en-US" altLang="zh-CN" sz="4000" b="1" dirty="0" err="1"/>
               <a:t>costmap</a:t>
             </a:r>
-            <a:endParaRPr lang="zh-CN" altLang="en-US" dirty="0"/>
-          </a:p>
-        </p:txBody>
-      </p:sp>
-      <p:sp>
-        <p:nvSpPr>
-          <p:cNvPr id="3" name="内容占位符 2">
-            <a:extLst>
-              <a:ext uri="{FF2B5EF4-FFF2-40B4-BE49-F238E27FC236}">
-                <a16:creationId xmlns:a16="http://schemas.microsoft.com/office/drawing/2014/main" id="{336AE0D1-8101-4346-AE6E-8FDBDC766595}"/>
-              </a:ext>
-            </a:extLst>
-          </p:cNvPr>
+            <a:endParaRPr lang="zh-CN" altLang="en-US" sz="4000" b="1" dirty="0"/>
+          </a:p>
+        </p:txBody>
+      </p:sp>
+      <p:sp>
+        <p:nvSpPr>
+          <p:cNvPr id="3" name="内容占位符 2"/>
           <p:cNvSpPr>
             <a:spLocks noGrp="1"/>
           </p:cNvSpPr>
@@ -5423,15 +4912,11 @@
               <a:rPr lang="zh-CN" altLang="en-US" dirty="0"/>
               <a:t>，一般是指静态地图</a:t>
             </a:r>
+            <a:endParaRPr lang="zh-CN" altLang="en-US" dirty="0"/>
           </a:p>
         </p:txBody>
       </p:sp>
     </p:spTree>
-    <p:extLst>
-      <p:ext uri="{BB962C8B-B14F-4D97-AF65-F5344CB8AC3E}">
-        <p14:creationId xmlns:p14="http://schemas.microsoft.com/office/powerpoint/2010/main" val="3231533585"/>
-      </p:ext>
-    </p:extLst>
   </p:cSld>
   <p:clrMapOvr>
     <a:masterClrMapping/>
@@ -5482,7 +4967,7 @@
     </a:clrScheme>
     <a:fontScheme name="Office">
       <a:majorFont>
-        <a:latin typeface="等线 Light" panose="020F0302020204030204"/>
+        <a:latin typeface="等线 Light"/>
         <a:ea typeface=""/>
         <a:cs typeface=""/>
         <a:font script="Jpan" typeface="游ゴシック Light"/>
@@ -5515,26 +5000,9 @@
         <a:font script="Viet" typeface="Times New Roman"/>
         <a:font script="Uigh" typeface="Microsoft Uighur"/>
         <a:font script="Geor" typeface="Sylfaen"/>
-        <a:font script="Armn" typeface="Arial"/>
-        <a:font script="Bugi" typeface="Leelawadee UI"/>
-        <a:font script="Bopo" typeface="Microsoft JhengHei"/>
-        <a:font script="Java" typeface="Javanese Text"/>
-        <a:font script="Lisu" typeface="Segoe UI"/>
-        <a:font script="Mymr" typeface="Myanmar Text"/>
-        <a:font script="Nkoo" typeface="Ebrima"/>
-        <a:font script="Olck" typeface="Nirmala UI"/>
-        <a:font script="Osma" typeface="Ebrima"/>
-        <a:font script="Phag" typeface="Phagspa"/>
-        <a:font script="Syrn" typeface="Estrangelo Edessa"/>
-        <a:font script="Syrj" typeface="Estrangelo Edessa"/>
-        <a:font script="Syre" typeface="Estrangelo Edessa"/>
-        <a:font script="Sora" typeface="Nirmala UI"/>
-        <a:font script="Tale" typeface="Microsoft Tai Le"/>
-        <a:font script="Talu" typeface="Microsoft New Tai Lue"/>
-        <a:font script="Tfng" typeface="Ebrima"/>
       </a:majorFont>
       <a:minorFont>
-        <a:latin typeface="等线" panose="020F0502020204030204"/>
+        <a:latin typeface="等线"/>
         <a:ea typeface=""/>
         <a:cs typeface=""/>
         <a:font script="Jpan" typeface="游ゴシック"/>
@@ -5567,23 +5035,6 @@
         <a:font script="Viet" typeface="Arial"/>
         <a:font script="Uigh" typeface="Microsoft Uighur"/>
         <a:font script="Geor" typeface="Sylfaen"/>
-        <a:font script="Armn" typeface="Arial"/>
-        <a:font script="Bugi" typeface="Leelawadee UI"/>
-        <a:font script="Bopo" typeface="Microsoft JhengHei"/>
-        <a:font script="Java" typeface="Javanese Text"/>
-        <a:font script="Lisu" typeface="Segoe UI"/>
-        <a:font script="Mymr" typeface="Myanmar Text"/>
-        <a:font script="Nkoo" typeface="Ebrima"/>
-        <a:font script="Olck" typeface="Nirmala UI"/>
-        <a:font script="Osma" typeface="Ebrima"/>
-        <a:font script="Phag" typeface="Phagspa"/>
-        <a:font script="Syrn" typeface="Estrangelo Edessa"/>
-        <a:font script="Syrj" typeface="Estrangelo Edessa"/>
-        <a:font script="Syre" typeface="Estrangelo Edessa"/>
-        <a:font script="Sora" typeface="Nirmala UI"/>
-        <a:font script="Tale" typeface="Microsoft Tai Le"/>
-        <a:font script="Talu" typeface="Microsoft New Tai Lue"/>
-        <a:font script="Tfng" typeface="Ebrima"/>
       </a:minorFont>
     </a:fontScheme>
     <a:fmtScheme name="Office">
@@ -5724,8 +5175,6 @@
       </a:bgFillStyleLst>
     </a:fmtScheme>
   </a:themeElements>
-  <a:objectDefaults/>
-  <a:extraClrSchemeLst/>
   <a:extLst>
     <a:ext uri="{05A4C25C-085E-4340-85A3-A5531E510DB2}">
       <thm15:themeFamily xmlns:thm15="http://schemas.microsoft.com/office/thememl/2012/main" name="Office Theme" id="{62F939B6-93AF-4DB8-9C6B-D6C7DFDC589F}" vid="{4A3C46E8-61CC-4603-A589-7422A47A8E4A}"/>
